--- a/temp/demo01.pptx
+++ b/temp/demo01.pptx
@@ -5,13 +5,14 @@
     <p:sldMasterId id="2147483648" r:id="rId1"/>
   </p:sldMasterIdLst>
   <p:notesMasterIdLst>
-    <p:notesMasterId r:id="rId6"/>
+    <p:notesMasterId r:id="rId7"/>
   </p:notesMasterIdLst>
   <p:sldIdLst>
     <p:sldId id="256" r:id="rId2"/>
     <p:sldId id="259" r:id="rId3"/>
-    <p:sldId id="257" r:id="rId4"/>
-    <p:sldId id="258" r:id="rId5"/>
+    <p:sldId id="260" r:id="rId4"/>
+    <p:sldId id="257" r:id="rId5"/>
+    <p:sldId id="258" r:id="rId6"/>
   </p:sldIdLst>
   <p:sldSz cx="9144000" cy="6858000" type="screen4x3"/>
   <p:notesSz cx="6858000" cy="9144000"/>
@@ -117,6 +118,7 @@
           <p14:sldIdLst>
             <p14:sldId id="256"/>
             <p14:sldId id="259"/>
+            <p14:sldId id="260"/>
           </p14:sldIdLst>
         </p14:section>
         <p14:section name="Top2" id="{DB4E61EE-AA3B-4133-8D2B-2A2C66CEAB13}">
@@ -129,6 +131,2703 @@
     </p:ext>
   </p:extLst>
 </p:presentation>
+</file>
+
+<file path=ppt/diagrams/colors1.xml><?xml version="1.0" encoding="utf-8"?>
+<dgm:colorsDef xmlns:dgm="http://schemas.openxmlformats.org/drawingml/2006/diagram" xmlns:a="http://schemas.openxmlformats.org/drawingml/2006/main" uniqueId="urn:microsoft.com/office/officeart/2005/8/colors/accent1_2">
+  <dgm:title val=""/>
+  <dgm:desc val=""/>
+  <dgm:catLst>
+    <dgm:cat type="accent1" pri="11200"/>
+  </dgm:catLst>
+  <dgm:styleLbl name="node0">
+    <dgm:fillClrLst meth="repeat">
+      <a:schemeClr val="accent1"/>
+    </dgm:fillClrLst>
+    <dgm:linClrLst meth="repeat">
+      <a:schemeClr val="lt1"/>
+    </dgm:linClrLst>
+    <dgm:effectClrLst/>
+    <dgm:txLinClrLst/>
+    <dgm:txFillClrLst/>
+    <dgm:txEffectClrLst/>
+  </dgm:styleLbl>
+  <dgm:styleLbl name="alignNode1">
+    <dgm:fillClrLst meth="repeat">
+      <a:schemeClr val="accent1"/>
+    </dgm:fillClrLst>
+    <dgm:linClrLst meth="repeat">
+      <a:schemeClr val="accent1"/>
+    </dgm:linClrLst>
+    <dgm:effectClrLst/>
+    <dgm:txLinClrLst/>
+    <dgm:txFillClrLst/>
+    <dgm:txEffectClrLst/>
+  </dgm:styleLbl>
+  <dgm:styleLbl name="node1">
+    <dgm:fillClrLst meth="repeat">
+      <a:schemeClr val="accent1"/>
+    </dgm:fillClrLst>
+    <dgm:linClrLst meth="repeat">
+      <a:schemeClr val="lt1"/>
+    </dgm:linClrLst>
+    <dgm:effectClrLst/>
+    <dgm:txLinClrLst/>
+    <dgm:txFillClrLst/>
+    <dgm:txEffectClrLst/>
+  </dgm:styleLbl>
+  <dgm:styleLbl name="lnNode1">
+    <dgm:fillClrLst meth="repeat">
+      <a:schemeClr val="accent1"/>
+    </dgm:fillClrLst>
+    <dgm:linClrLst meth="repeat">
+      <a:schemeClr val="lt1"/>
+    </dgm:linClrLst>
+    <dgm:effectClrLst/>
+    <dgm:txLinClrLst/>
+    <dgm:txFillClrLst/>
+    <dgm:txEffectClrLst/>
+  </dgm:styleLbl>
+  <dgm:styleLbl name="vennNode1">
+    <dgm:fillClrLst meth="repeat">
+      <a:schemeClr val="accent1">
+        <a:alpha val="50000"/>
+      </a:schemeClr>
+    </dgm:fillClrLst>
+    <dgm:linClrLst meth="repeat">
+      <a:schemeClr val="lt1"/>
+    </dgm:linClrLst>
+    <dgm:effectClrLst/>
+    <dgm:txLinClrLst/>
+    <dgm:txFillClrLst/>
+    <dgm:txEffectClrLst/>
+  </dgm:styleLbl>
+  <dgm:styleLbl name="node2">
+    <dgm:fillClrLst meth="repeat">
+      <a:schemeClr val="accent1"/>
+    </dgm:fillClrLst>
+    <dgm:linClrLst meth="repeat">
+      <a:schemeClr val="lt1"/>
+    </dgm:linClrLst>
+    <dgm:effectClrLst/>
+    <dgm:txLinClrLst/>
+    <dgm:txFillClrLst/>
+    <dgm:txEffectClrLst/>
+  </dgm:styleLbl>
+  <dgm:styleLbl name="node3">
+    <dgm:fillClrLst meth="repeat">
+      <a:schemeClr val="accent1"/>
+    </dgm:fillClrLst>
+    <dgm:linClrLst meth="repeat">
+      <a:schemeClr val="lt1"/>
+    </dgm:linClrLst>
+    <dgm:effectClrLst/>
+    <dgm:txLinClrLst/>
+    <dgm:txFillClrLst/>
+    <dgm:txEffectClrLst/>
+  </dgm:styleLbl>
+  <dgm:styleLbl name="node4">
+    <dgm:fillClrLst meth="repeat">
+      <a:schemeClr val="accent1"/>
+    </dgm:fillClrLst>
+    <dgm:linClrLst meth="repeat">
+      <a:schemeClr val="lt1"/>
+    </dgm:linClrLst>
+    <dgm:effectClrLst/>
+    <dgm:txLinClrLst/>
+    <dgm:txFillClrLst/>
+    <dgm:txEffectClrLst/>
+  </dgm:styleLbl>
+  <dgm:styleLbl name="fgImgPlace1">
+    <dgm:fillClrLst meth="repeat">
+      <a:schemeClr val="accent1">
+        <a:tint val="50000"/>
+      </a:schemeClr>
+    </dgm:fillClrLst>
+    <dgm:linClrLst meth="repeat">
+      <a:schemeClr val="lt1"/>
+    </dgm:linClrLst>
+    <dgm:effectClrLst/>
+    <dgm:txLinClrLst/>
+    <dgm:txFillClrLst meth="repeat">
+      <a:schemeClr val="lt1"/>
+    </dgm:txFillClrLst>
+    <dgm:txEffectClrLst/>
+  </dgm:styleLbl>
+  <dgm:styleLbl name="alignImgPlace1">
+    <dgm:fillClrLst meth="repeat">
+      <a:schemeClr val="accent1">
+        <a:tint val="50000"/>
+      </a:schemeClr>
+    </dgm:fillClrLst>
+    <dgm:linClrLst meth="repeat">
+      <a:schemeClr val="lt1"/>
+    </dgm:linClrLst>
+    <dgm:effectClrLst/>
+    <dgm:txLinClrLst/>
+    <dgm:txFillClrLst meth="repeat">
+      <a:schemeClr val="lt1"/>
+    </dgm:txFillClrLst>
+    <dgm:txEffectClrLst/>
+  </dgm:styleLbl>
+  <dgm:styleLbl name="bgImgPlace1">
+    <dgm:fillClrLst meth="repeat">
+      <a:schemeClr val="accent1">
+        <a:tint val="50000"/>
+      </a:schemeClr>
+    </dgm:fillClrLst>
+    <dgm:linClrLst meth="repeat">
+      <a:schemeClr val="lt1"/>
+    </dgm:linClrLst>
+    <dgm:effectClrLst/>
+    <dgm:txLinClrLst/>
+    <dgm:txFillClrLst meth="repeat">
+      <a:schemeClr val="lt1"/>
+    </dgm:txFillClrLst>
+    <dgm:txEffectClrLst/>
+  </dgm:styleLbl>
+  <dgm:styleLbl name="sibTrans2D1">
+    <dgm:fillClrLst meth="repeat">
+      <a:schemeClr val="accent1">
+        <a:tint val="60000"/>
+      </a:schemeClr>
+    </dgm:fillClrLst>
+    <dgm:linClrLst meth="repeat">
+      <a:schemeClr val="accent1">
+        <a:tint val="60000"/>
+      </a:schemeClr>
+    </dgm:linClrLst>
+    <dgm:effectClrLst/>
+    <dgm:txLinClrLst/>
+    <dgm:txFillClrLst/>
+    <dgm:txEffectClrLst/>
+  </dgm:styleLbl>
+  <dgm:styleLbl name="fgSibTrans2D1">
+    <dgm:fillClrLst meth="repeat">
+      <a:schemeClr val="accent1">
+        <a:tint val="60000"/>
+      </a:schemeClr>
+    </dgm:fillClrLst>
+    <dgm:linClrLst meth="repeat">
+      <a:schemeClr val="accent1">
+        <a:tint val="60000"/>
+      </a:schemeClr>
+    </dgm:linClrLst>
+    <dgm:effectClrLst/>
+    <dgm:txLinClrLst/>
+    <dgm:txFillClrLst/>
+    <dgm:txEffectClrLst/>
+  </dgm:styleLbl>
+  <dgm:styleLbl name="bgSibTrans2D1">
+    <dgm:fillClrLst meth="repeat">
+      <a:schemeClr val="accent1">
+        <a:tint val="60000"/>
+      </a:schemeClr>
+    </dgm:fillClrLst>
+    <dgm:linClrLst meth="repeat">
+      <a:schemeClr val="accent1">
+        <a:tint val="60000"/>
+      </a:schemeClr>
+    </dgm:linClrLst>
+    <dgm:effectClrLst/>
+    <dgm:txLinClrLst/>
+    <dgm:txFillClrLst/>
+    <dgm:txEffectClrLst/>
+  </dgm:styleLbl>
+  <dgm:styleLbl name="sibTrans1D1">
+    <dgm:fillClrLst meth="repeat">
+      <a:schemeClr val="accent1"/>
+    </dgm:fillClrLst>
+    <dgm:linClrLst meth="repeat">
+      <a:schemeClr val="accent1"/>
+    </dgm:linClrLst>
+    <dgm:effectClrLst/>
+    <dgm:txLinClrLst/>
+    <dgm:txFillClrLst meth="repeat">
+      <a:schemeClr val="tx1"/>
+    </dgm:txFillClrLst>
+    <dgm:txEffectClrLst/>
+  </dgm:styleLbl>
+  <dgm:styleLbl name="callout">
+    <dgm:fillClrLst meth="repeat">
+      <a:schemeClr val="accent1"/>
+    </dgm:fillClrLst>
+    <dgm:linClrLst meth="repeat">
+      <a:schemeClr val="accent1">
+        <a:tint val="50000"/>
+      </a:schemeClr>
+    </dgm:linClrLst>
+    <dgm:effectClrLst/>
+    <dgm:txLinClrLst/>
+    <dgm:txFillClrLst meth="repeat">
+      <a:schemeClr val="tx1"/>
+    </dgm:txFillClrLst>
+    <dgm:txEffectClrLst/>
+  </dgm:styleLbl>
+  <dgm:styleLbl name="asst0">
+    <dgm:fillClrLst meth="repeat">
+      <a:schemeClr val="accent1"/>
+    </dgm:fillClrLst>
+    <dgm:linClrLst meth="repeat">
+      <a:schemeClr val="lt1"/>
+    </dgm:linClrLst>
+    <dgm:effectClrLst/>
+    <dgm:txLinClrLst/>
+    <dgm:txFillClrLst/>
+    <dgm:txEffectClrLst/>
+  </dgm:styleLbl>
+  <dgm:styleLbl name="asst1">
+    <dgm:fillClrLst meth="repeat">
+      <a:schemeClr val="accent1"/>
+    </dgm:fillClrLst>
+    <dgm:linClrLst meth="repeat">
+      <a:schemeClr val="lt1"/>
+    </dgm:linClrLst>
+    <dgm:effectClrLst/>
+    <dgm:txLinClrLst/>
+    <dgm:txFillClrLst/>
+    <dgm:txEffectClrLst/>
+  </dgm:styleLbl>
+  <dgm:styleLbl name="asst2">
+    <dgm:fillClrLst meth="repeat">
+      <a:schemeClr val="accent1"/>
+    </dgm:fillClrLst>
+    <dgm:linClrLst meth="repeat">
+      <a:schemeClr val="lt1"/>
+    </dgm:linClrLst>
+    <dgm:effectClrLst/>
+    <dgm:txLinClrLst/>
+    <dgm:txFillClrLst/>
+    <dgm:txEffectClrLst/>
+  </dgm:styleLbl>
+  <dgm:styleLbl name="asst3">
+    <dgm:fillClrLst meth="repeat">
+      <a:schemeClr val="accent1"/>
+    </dgm:fillClrLst>
+    <dgm:linClrLst meth="repeat">
+      <a:schemeClr val="lt1"/>
+    </dgm:linClrLst>
+    <dgm:effectClrLst/>
+    <dgm:txLinClrLst/>
+    <dgm:txFillClrLst/>
+    <dgm:txEffectClrLst/>
+  </dgm:styleLbl>
+  <dgm:styleLbl name="asst4">
+    <dgm:fillClrLst meth="repeat">
+      <a:schemeClr val="accent1"/>
+    </dgm:fillClrLst>
+    <dgm:linClrLst meth="repeat">
+      <a:schemeClr val="lt1"/>
+    </dgm:linClrLst>
+    <dgm:effectClrLst/>
+    <dgm:txLinClrLst/>
+    <dgm:txFillClrLst/>
+    <dgm:txEffectClrLst/>
+  </dgm:styleLbl>
+  <dgm:styleLbl name="parChTrans2D1">
+    <dgm:fillClrLst meth="repeat">
+      <a:schemeClr val="accent1">
+        <a:tint val="60000"/>
+      </a:schemeClr>
+    </dgm:fillClrLst>
+    <dgm:linClrLst meth="repeat">
+      <a:schemeClr val="accent1">
+        <a:tint val="60000"/>
+      </a:schemeClr>
+    </dgm:linClrLst>
+    <dgm:effectClrLst/>
+    <dgm:txLinClrLst/>
+    <dgm:txFillClrLst meth="repeat">
+      <a:schemeClr val="lt1"/>
+    </dgm:txFillClrLst>
+    <dgm:txEffectClrLst/>
+  </dgm:styleLbl>
+  <dgm:styleLbl name="parChTrans2D2">
+    <dgm:fillClrLst meth="repeat">
+      <a:schemeClr val="accent1"/>
+    </dgm:fillClrLst>
+    <dgm:linClrLst meth="repeat">
+      <a:schemeClr val="accent1"/>
+    </dgm:linClrLst>
+    <dgm:effectClrLst/>
+    <dgm:txLinClrLst/>
+    <dgm:txFillClrLst meth="repeat">
+      <a:schemeClr val="lt1"/>
+    </dgm:txFillClrLst>
+    <dgm:txEffectClrLst/>
+  </dgm:styleLbl>
+  <dgm:styleLbl name="parChTrans2D3">
+    <dgm:fillClrLst meth="repeat">
+      <a:schemeClr val="accent1"/>
+    </dgm:fillClrLst>
+    <dgm:linClrLst meth="repeat">
+      <a:schemeClr val="accent1"/>
+    </dgm:linClrLst>
+    <dgm:effectClrLst/>
+    <dgm:txLinClrLst/>
+    <dgm:txFillClrLst meth="repeat">
+      <a:schemeClr val="lt1"/>
+    </dgm:txFillClrLst>
+    <dgm:txEffectClrLst/>
+  </dgm:styleLbl>
+  <dgm:styleLbl name="parChTrans2D4">
+    <dgm:fillClrLst meth="repeat">
+      <a:schemeClr val="accent1"/>
+    </dgm:fillClrLst>
+    <dgm:linClrLst meth="repeat">
+      <a:schemeClr val="accent1"/>
+    </dgm:linClrLst>
+    <dgm:effectClrLst/>
+    <dgm:txLinClrLst/>
+    <dgm:txFillClrLst meth="repeat">
+      <a:schemeClr val="lt1"/>
+    </dgm:txFillClrLst>
+    <dgm:txEffectClrLst/>
+  </dgm:styleLbl>
+  <dgm:styleLbl name="parChTrans1D1">
+    <dgm:fillClrLst meth="repeat">
+      <a:schemeClr val="accent1"/>
+    </dgm:fillClrLst>
+    <dgm:linClrLst meth="repeat">
+      <a:schemeClr val="accent1">
+        <a:shade val="60000"/>
+      </a:schemeClr>
+    </dgm:linClrLst>
+    <dgm:effectClrLst/>
+    <dgm:txLinClrLst/>
+    <dgm:txFillClrLst meth="repeat">
+      <a:schemeClr val="tx1"/>
+    </dgm:txFillClrLst>
+    <dgm:txEffectClrLst/>
+  </dgm:styleLbl>
+  <dgm:styleLbl name="parChTrans1D2">
+    <dgm:fillClrLst meth="repeat">
+      <a:schemeClr val="accent1"/>
+    </dgm:fillClrLst>
+    <dgm:linClrLst meth="repeat">
+      <a:schemeClr val="accent1">
+        <a:shade val="60000"/>
+      </a:schemeClr>
+    </dgm:linClrLst>
+    <dgm:effectClrLst/>
+    <dgm:txLinClrLst/>
+    <dgm:txFillClrLst meth="repeat">
+      <a:schemeClr val="tx1"/>
+    </dgm:txFillClrLst>
+    <dgm:txEffectClrLst/>
+  </dgm:styleLbl>
+  <dgm:styleLbl name="parChTrans1D3">
+    <dgm:fillClrLst meth="repeat">
+      <a:schemeClr val="accent1"/>
+    </dgm:fillClrLst>
+    <dgm:linClrLst meth="repeat">
+      <a:schemeClr val="accent1">
+        <a:shade val="80000"/>
+      </a:schemeClr>
+    </dgm:linClrLst>
+    <dgm:effectClrLst/>
+    <dgm:txLinClrLst/>
+    <dgm:txFillClrLst meth="repeat">
+      <a:schemeClr val="tx1"/>
+    </dgm:txFillClrLst>
+    <dgm:txEffectClrLst/>
+  </dgm:styleLbl>
+  <dgm:styleLbl name="parChTrans1D4">
+    <dgm:fillClrLst meth="repeat">
+      <a:schemeClr val="accent1"/>
+    </dgm:fillClrLst>
+    <dgm:linClrLst meth="repeat">
+      <a:schemeClr val="accent1">
+        <a:shade val="80000"/>
+      </a:schemeClr>
+    </dgm:linClrLst>
+    <dgm:effectClrLst/>
+    <dgm:txLinClrLst/>
+    <dgm:txFillClrLst meth="repeat">
+      <a:schemeClr val="tx1"/>
+    </dgm:txFillClrLst>
+    <dgm:txEffectClrLst/>
+  </dgm:styleLbl>
+  <dgm:styleLbl name="fgAcc1">
+    <dgm:fillClrLst meth="repeat">
+      <a:schemeClr val="lt1">
+        <a:alpha val="90000"/>
+      </a:schemeClr>
+    </dgm:fillClrLst>
+    <dgm:linClrLst meth="repeat">
+      <a:schemeClr val="accent1"/>
+    </dgm:linClrLst>
+    <dgm:effectClrLst/>
+    <dgm:txLinClrLst/>
+    <dgm:txFillClrLst meth="repeat">
+      <a:schemeClr val="dk1"/>
+    </dgm:txFillClrLst>
+    <dgm:txEffectClrLst/>
+  </dgm:styleLbl>
+  <dgm:styleLbl name="conFgAcc1">
+    <dgm:fillClrLst meth="repeat">
+      <a:schemeClr val="lt1">
+        <a:alpha val="90000"/>
+      </a:schemeClr>
+    </dgm:fillClrLst>
+    <dgm:linClrLst meth="repeat">
+      <a:schemeClr val="accent1"/>
+    </dgm:linClrLst>
+    <dgm:effectClrLst/>
+    <dgm:txLinClrLst/>
+    <dgm:txFillClrLst meth="repeat">
+      <a:schemeClr val="dk1"/>
+    </dgm:txFillClrLst>
+    <dgm:txEffectClrLst/>
+  </dgm:styleLbl>
+  <dgm:styleLbl name="alignAcc1">
+    <dgm:fillClrLst meth="repeat">
+      <a:schemeClr val="lt1">
+        <a:alpha val="90000"/>
+      </a:schemeClr>
+    </dgm:fillClrLst>
+    <dgm:linClrLst meth="repeat">
+      <a:schemeClr val="accent1"/>
+    </dgm:linClrLst>
+    <dgm:effectClrLst/>
+    <dgm:txLinClrLst/>
+    <dgm:txFillClrLst meth="repeat">
+      <a:schemeClr val="dk1"/>
+    </dgm:txFillClrLst>
+    <dgm:txEffectClrLst/>
+  </dgm:styleLbl>
+  <dgm:styleLbl name="trAlignAcc1">
+    <dgm:fillClrLst meth="repeat">
+      <a:schemeClr val="lt1">
+        <a:alpha val="40000"/>
+      </a:schemeClr>
+    </dgm:fillClrLst>
+    <dgm:linClrLst meth="repeat">
+      <a:schemeClr val="accent1"/>
+    </dgm:linClrLst>
+    <dgm:effectClrLst/>
+    <dgm:txLinClrLst/>
+    <dgm:txFillClrLst meth="repeat">
+      <a:schemeClr val="dk1"/>
+    </dgm:txFillClrLst>
+    <dgm:txEffectClrLst/>
+  </dgm:styleLbl>
+  <dgm:styleLbl name="bgAcc1">
+    <dgm:fillClrLst meth="repeat">
+      <a:schemeClr val="lt1">
+        <a:alpha val="90000"/>
+      </a:schemeClr>
+    </dgm:fillClrLst>
+    <dgm:linClrLst meth="repeat">
+      <a:schemeClr val="accent1"/>
+    </dgm:linClrLst>
+    <dgm:effectClrLst/>
+    <dgm:txLinClrLst/>
+    <dgm:txFillClrLst meth="repeat">
+      <a:schemeClr val="dk1"/>
+    </dgm:txFillClrLst>
+    <dgm:txEffectClrLst/>
+  </dgm:styleLbl>
+  <dgm:styleLbl name="solidFgAcc1">
+    <dgm:fillClrLst meth="repeat">
+      <a:schemeClr val="lt1"/>
+    </dgm:fillClrLst>
+    <dgm:linClrLst meth="repeat">
+      <a:schemeClr val="accent1"/>
+    </dgm:linClrLst>
+    <dgm:effectClrLst/>
+    <dgm:txLinClrLst/>
+    <dgm:txFillClrLst meth="repeat">
+      <a:schemeClr val="dk1"/>
+    </dgm:txFillClrLst>
+    <dgm:txEffectClrLst/>
+  </dgm:styleLbl>
+  <dgm:styleLbl name="solidAlignAcc1">
+    <dgm:fillClrLst meth="repeat">
+      <a:schemeClr val="lt1"/>
+    </dgm:fillClrLst>
+    <dgm:linClrLst meth="repeat">
+      <a:schemeClr val="accent1"/>
+    </dgm:linClrLst>
+    <dgm:effectClrLst/>
+    <dgm:txLinClrLst/>
+    <dgm:txFillClrLst meth="repeat">
+      <a:schemeClr val="dk1"/>
+    </dgm:txFillClrLst>
+    <dgm:txEffectClrLst/>
+  </dgm:styleLbl>
+  <dgm:styleLbl name="solidBgAcc1">
+    <dgm:fillClrLst meth="repeat">
+      <a:schemeClr val="lt1"/>
+    </dgm:fillClrLst>
+    <dgm:linClrLst meth="repeat">
+      <a:schemeClr val="accent1"/>
+    </dgm:linClrLst>
+    <dgm:effectClrLst/>
+    <dgm:txLinClrLst/>
+    <dgm:txFillClrLst meth="repeat">
+      <a:schemeClr val="dk1"/>
+    </dgm:txFillClrLst>
+    <dgm:txEffectClrLst/>
+  </dgm:styleLbl>
+  <dgm:styleLbl name="fgAccFollowNode1">
+    <dgm:fillClrLst meth="repeat">
+      <a:schemeClr val="accent1">
+        <a:alpha val="90000"/>
+        <a:tint val="40000"/>
+      </a:schemeClr>
+    </dgm:fillClrLst>
+    <dgm:linClrLst meth="repeat">
+      <a:schemeClr val="accent1">
+        <a:alpha val="90000"/>
+        <a:tint val="40000"/>
+      </a:schemeClr>
+    </dgm:linClrLst>
+    <dgm:effectClrLst/>
+    <dgm:txLinClrLst/>
+    <dgm:txFillClrLst meth="repeat">
+      <a:schemeClr val="dk1"/>
+    </dgm:txFillClrLst>
+    <dgm:txEffectClrLst/>
+  </dgm:styleLbl>
+  <dgm:styleLbl name="alignAccFollowNode1">
+    <dgm:fillClrLst meth="repeat">
+      <a:schemeClr val="accent1">
+        <a:alpha val="90000"/>
+        <a:tint val="40000"/>
+      </a:schemeClr>
+    </dgm:fillClrLst>
+    <dgm:linClrLst meth="repeat">
+      <a:schemeClr val="accent1">
+        <a:alpha val="90000"/>
+        <a:tint val="40000"/>
+      </a:schemeClr>
+    </dgm:linClrLst>
+    <dgm:effectClrLst/>
+    <dgm:txLinClrLst/>
+    <dgm:txFillClrLst meth="repeat">
+      <a:schemeClr val="dk1"/>
+    </dgm:txFillClrLst>
+    <dgm:txEffectClrLst/>
+  </dgm:styleLbl>
+  <dgm:styleLbl name="bgAccFollowNode1">
+    <dgm:fillClrLst meth="repeat">
+      <a:schemeClr val="accent1">
+        <a:alpha val="90000"/>
+        <a:tint val="40000"/>
+      </a:schemeClr>
+    </dgm:fillClrLst>
+    <dgm:linClrLst meth="repeat">
+      <a:schemeClr val="accent1">
+        <a:alpha val="90000"/>
+        <a:tint val="40000"/>
+      </a:schemeClr>
+    </dgm:linClrLst>
+    <dgm:effectClrLst/>
+    <dgm:txLinClrLst/>
+    <dgm:txFillClrLst meth="repeat">
+      <a:schemeClr val="dk1"/>
+    </dgm:txFillClrLst>
+    <dgm:txEffectClrLst/>
+  </dgm:styleLbl>
+  <dgm:styleLbl name="fgAcc0">
+    <dgm:fillClrLst meth="repeat">
+      <a:schemeClr val="lt1">
+        <a:alpha val="90000"/>
+      </a:schemeClr>
+    </dgm:fillClrLst>
+    <dgm:linClrLst meth="repeat">
+      <a:schemeClr val="accent1"/>
+    </dgm:linClrLst>
+    <dgm:effectClrLst/>
+    <dgm:txLinClrLst/>
+    <dgm:txFillClrLst meth="repeat">
+      <a:schemeClr val="dk1"/>
+    </dgm:txFillClrLst>
+    <dgm:txEffectClrLst/>
+  </dgm:styleLbl>
+  <dgm:styleLbl name="fgAcc2">
+    <dgm:fillClrLst meth="repeat">
+      <a:schemeClr val="lt1">
+        <a:alpha val="90000"/>
+      </a:schemeClr>
+    </dgm:fillClrLst>
+    <dgm:linClrLst meth="repeat">
+      <a:schemeClr val="accent1"/>
+    </dgm:linClrLst>
+    <dgm:effectClrLst/>
+    <dgm:txLinClrLst/>
+    <dgm:txFillClrLst meth="repeat">
+      <a:schemeClr val="dk1"/>
+    </dgm:txFillClrLst>
+    <dgm:txEffectClrLst/>
+  </dgm:styleLbl>
+  <dgm:styleLbl name="fgAcc3">
+    <dgm:fillClrLst meth="repeat">
+      <a:schemeClr val="lt1">
+        <a:alpha val="90000"/>
+      </a:schemeClr>
+    </dgm:fillClrLst>
+    <dgm:linClrLst meth="repeat">
+      <a:schemeClr val="accent1"/>
+    </dgm:linClrLst>
+    <dgm:effectClrLst/>
+    <dgm:txLinClrLst/>
+    <dgm:txFillClrLst meth="repeat">
+      <a:schemeClr val="dk1"/>
+    </dgm:txFillClrLst>
+    <dgm:txEffectClrLst/>
+  </dgm:styleLbl>
+  <dgm:styleLbl name="fgAcc4">
+    <dgm:fillClrLst meth="repeat">
+      <a:schemeClr val="lt1">
+        <a:alpha val="90000"/>
+      </a:schemeClr>
+    </dgm:fillClrLst>
+    <dgm:linClrLst meth="repeat">
+      <a:schemeClr val="accent1"/>
+    </dgm:linClrLst>
+    <dgm:effectClrLst/>
+    <dgm:txLinClrLst/>
+    <dgm:txFillClrLst meth="repeat">
+      <a:schemeClr val="dk1"/>
+    </dgm:txFillClrLst>
+    <dgm:txEffectClrLst/>
+  </dgm:styleLbl>
+  <dgm:styleLbl name="bgShp">
+    <dgm:fillClrLst meth="repeat">
+      <a:schemeClr val="accent1">
+        <a:tint val="40000"/>
+      </a:schemeClr>
+    </dgm:fillClrLst>
+    <dgm:linClrLst meth="repeat">
+      <a:schemeClr val="accent1"/>
+    </dgm:linClrLst>
+    <dgm:effectClrLst/>
+    <dgm:txLinClrLst/>
+    <dgm:txFillClrLst meth="repeat">
+      <a:schemeClr val="dk1"/>
+    </dgm:txFillClrLst>
+    <dgm:txEffectClrLst/>
+  </dgm:styleLbl>
+  <dgm:styleLbl name="dkBgShp">
+    <dgm:fillClrLst meth="repeat">
+      <a:schemeClr val="accent1">
+        <a:shade val="80000"/>
+      </a:schemeClr>
+    </dgm:fillClrLst>
+    <dgm:linClrLst meth="repeat">
+      <a:schemeClr val="accent1"/>
+    </dgm:linClrLst>
+    <dgm:effectClrLst/>
+    <dgm:txLinClrLst/>
+    <dgm:txFillClrLst meth="repeat">
+      <a:schemeClr val="lt1"/>
+    </dgm:txFillClrLst>
+    <dgm:txEffectClrLst/>
+  </dgm:styleLbl>
+  <dgm:styleLbl name="trBgShp">
+    <dgm:fillClrLst meth="repeat">
+      <a:schemeClr val="accent1">
+        <a:tint val="50000"/>
+        <a:alpha val="40000"/>
+      </a:schemeClr>
+    </dgm:fillClrLst>
+    <dgm:linClrLst meth="repeat">
+      <a:schemeClr val="accent1"/>
+    </dgm:linClrLst>
+    <dgm:effectClrLst/>
+    <dgm:txLinClrLst/>
+    <dgm:txFillClrLst meth="repeat">
+      <a:schemeClr val="lt1"/>
+    </dgm:txFillClrLst>
+    <dgm:txEffectClrLst/>
+  </dgm:styleLbl>
+  <dgm:styleLbl name="fgShp">
+    <dgm:fillClrLst meth="repeat">
+      <a:schemeClr val="accent1">
+        <a:tint val="60000"/>
+      </a:schemeClr>
+    </dgm:fillClrLst>
+    <dgm:linClrLst meth="repeat">
+      <a:schemeClr val="lt1"/>
+    </dgm:linClrLst>
+    <dgm:effectClrLst/>
+    <dgm:txLinClrLst/>
+    <dgm:txFillClrLst meth="repeat">
+      <a:schemeClr val="dk1"/>
+    </dgm:txFillClrLst>
+    <dgm:txEffectClrLst/>
+  </dgm:styleLbl>
+  <dgm:styleLbl name="revTx">
+    <dgm:fillClrLst meth="repeat">
+      <a:schemeClr val="lt1">
+        <a:alpha val="0"/>
+      </a:schemeClr>
+    </dgm:fillClrLst>
+    <dgm:linClrLst meth="repeat">
+      <a:schemeClr val="dk1">
+        <a:alpha val="0"/>
+      </a:schemeClr>
+    </dgm:linClrLst>
+    <dgm:effectClrLst/>
+    <dgm:txLinClrLst/>
+    <dgm:txFillClrLst meth="repeat">
+      <a:schemeClr val="tx1"/>
+    </dgm:txFillClrLst>
+    <dgm:txEffectClrLst/>
+  </dgm:styleLbl>
+</dgm:colorsDef>
+</file>
+
+<file path=ppt/diagrams/data1.xml><?xml version="1.0" encoding="utf-8"?>
+<dgm:dataModel xmlns:dgm="http://schemas.openxmlformats.org/drawingml/2006/diagram" xmlns:a="http://schemas.openxmlformats.org/drawingml/2006/main">
+  <dgm:ptLst>
+    <dgm:pt modelId="{1E0EE2BF-88E9-4166-879A-AF6ECC125875}" type="doc">
+      <dgm:prSet loTypeId="urn:microsoft.com/office/officeart/2005/8/layout/default" loCatId="list" qsTypeId="urn:microsoft.com/office/officeart/2005/8/quickstyle/simple1" qsCatId="simple" csTypeId="urn:microsoft.com/office/officeart/2005/8/colors/accent1_2" csCatId="accent1" phldr="1"/>
+      <dgm:spPr/>
+      <dgm:t>
+        <a:bodyPr/>
+        <a:lstStyle/>
+        <a:p>
+          <a:endParaRPr lang="zh-CN" altLang="en-US"/>
+        </a:p>
+      </dgm:t>
+    </dgm:pt>
+    <dgm:pt modelId="{48BEFD2B-8AAF-4DFB-A655-E51C28272C26}">
+      <dgm:prSet phldrT="[文本]"/>
+      <dgm:spPr/>
+      <dgm:t>
+        <a:bodyPr/>
+        <a:lstStyle/>
+        <a:p>
+          <a:r>
+            <a:rPr lang="zh-CN" altLang="en-US" dirty="0" smtClean="0"/>
+            <a:t>测试</a:t>
+          </a:r>
+          <a:r>
+            <a:rPr lang="en-US" altLang="zh-CN" dirty="0" smtClean="0"/>
+            <a:t>1</a:t>
+          </a:r>
+          <a:endParaRPr lang="zh-CN" altLang="en-US" dirty="0"/>
+        </a:p>
+      </dgm:t>
+    </dgm:pt>
+    <dgm:pt modelId="{0663D19F-658A-453B-95A0-A6D920148CBB}" type="parTrans" cxnId="{4A89BACD-BA41-4D88-9BF3-4696DFDE5A83}">
+      <dgm:prSet/>
+      <dgm:spPr/>
+      <dgm:t>
+        <a:bodyPr/>
+        <a:lstStyle/>
+        <a:p>
+          <a:endParaRPr lang="zh-CN" altLang="en-US"/>
+        </a:p>
+      </dgm:t>
+    </dgm:pt>
+    <dgm:pt modelId="{C8D69777-E939-41C8-A0DF-1730F0AFB980}" type="sibTrans" cxnId="{4A89BACD-BA41-4D88-9BF3-4696DFDE5A83}">
+      <dgm:prSet/>
+      <dgm:spPr/>
+      <dgm:t>
+        <a:bodyPr/>
+        <a:lstStyle/>
+        <a:p>
+          <a:endParaRPr lang="zh-CN" altLang="en-US"/>
+        </a:p>
+      </dgm:t>
+    </dgm:pt>
+    <dgm:pt modelId="{2D69C3E6-244F-4F68-9CB7-A67E335E219C}">
+      <dgm:prSet phldrT="[文本]"/>
+      <dgm:spPr/>
+      <dgm:t>
+        <a:bodyPr/>
+        <a:lstStyle/>
+        <a:p>
+          <a:r>
+            <a:rPr lang="zh-CN" altLang="en-US" dirty="0" smtClean="0"/>
+            <a:t>测试</a:t>
+          </a:r>
+          <a:r>
+            <a:rPr lang="en-US" altLang="zh-CN" dirty="0" smtClean="0"/>
+            <a:t>2</a:t>
+          </a:r>
+          <a:endParaRPr lang="zh-CN" altLang="en-US" dirty="0"/>
+        </a:p>
+      </dgm:t>
+    </dgm:pt>
+    <dgm:pt modelId="{07DD17EE-647E-48E7-8D5F-BA85F8B5F354}" type="parTrans" cxnId="{C4C07D96-9E87-4DB4-B1AB-1350EC9EEC36}">
+      <dgm:prSet/>
+      <dgm:spPr/>
+      <dgm:t>
+        <a:bodyPr/>
+        <a:lstStyle/>
+        <a:p>
+          <a:endParaRPr lang="zh-CN" altLang="en-US"/>
+        </a:p>
+      </dgm:t>
+    </dgm:pt>
+    <dgm:pt modelId="{4C706609-5555-475B-BE8D-36BB16601472}" type="sibTrans" cxnId="{C4C07D96-9E87-4DB4-B1AB-1350EC9EEC36}">
+      <dgm:prSet/>
+      <dgm:spPr/>
+      <dgm:t>
+        <a:bodyPr/>
+        <a:lstStyle/>
+        <a:p>
+          <a:endParaRPr lang="zh-CN" altLang="en-US"/>
+        </a:p>
+      </dgm:t>
+    </dgm:pt>
+    <dgm:pt modelId="{ED8C2B97-A6A7-4836-B4A0-CE20A0961781}">
+      <dgm:prSet phldrT="[文本]"/>
+      <dgm:spPr/>
+      <dgm:t>
+        <a:bodyPr/>
+        <a:lstStyle/>
+        <a:p>
+          <a:r>
+            <a:rPr lang="zh-CN" altLang="en-US" dirty="0" smtClean="0"/>
+            <a:t>测试</a:t>
+          </a:r>
+          <a:r>
+            <a:rPr lang="en-US" altLang="zh-CN" dirty="0" smtClean="0"/>
+            <a:t>3</a:t>
+          </a:r>
+          <a:endParaRPr lang="zh-CN" altLang="en-US" dirty="0"/>
+        </a:p>
+      </dgm:t>
+    </dgm:pt>
+    <dgm:pt modelId="{120E85F6-EAA7-475A-8D4C-F66E2D978C30}" type="parTrans" cxnId="{591C8C9B-DDAB-408A-BECE-CE869B23F9C0}">
+      <dgm:prSet/>
+      <dgm:spPr/>
+      <dgm:t>
+        <a:bodyPr/>
+        <a:lstStyle/>
+        <a:p>
+          <a:endParaRPr lang="zh-CN" altLang="en-US"/>
+        </a:p>
+      </dgm:t>
+    </dgm:pt>
+    <dgm:pt modelId="{B36BF5DE-592E-4F57-8C7F-5B74CAB567CE}" type="sibTrans" cxnId="{591C8C9B-DDAB-408A-BECE-CE869B23F9C0}">
+      <dgm:prSet/>
+      <dgm:spPr/>
+      <dgm:t>
+        <a:bodyPr/>
+        <a:lstStyle/>
+        <a:p>
+          <a:endParaRPr lang="zh-CN" altLang="en-US"/>
+        </a:p>
+      </dgm:t>
+    </dgm:pt>
+    <dgm:pt modelId="{F175D095-1522-42AE-B840-7E8458F38D83}">
+      <dgm:prSet phldrT="[文本]"/>
+      <dgm:spPr/>
+      <dgm:t>
+        <a:bodyPr/>
+        <a:lstStyle/>
+        <a:p>
+          <a:r>
+            <a:rPr lang="zh-CN" altLang="en-US" dirty="0" smtClean="0"/>
+            <a:t>测试</a:t>
+          </a:r>
+          <a:r>
+            <a:rPr lang="en-US" altLang="zh-CN" dirty="0" smtClean="0"/>
+            <a:t>4</a:t>
+          </a:r>
+          <a:endParaRPr lang="zh-CN" altLang="en-US" dirty="0"/>
+        </a:p>
+      </dgm:t>
+    </dgm:pt>
+    <dgm:pt modelId="{490C34D7-77E6-452D-9E92-F8E1AFBC6C4F}" type="parTrans" cxnId="{A6B8C0A8-9E69-4833-95FD-1C2F707D0D0F}">
+      <dgm:prSet/>
+      <dgm:spPr/>
+      <dgm:t>
+        <a:bodyPr/>
+        <a:lstStyle/>
+        <a:p>
+          <a:endParaRPr lang="zh-CN" altLang="en-US"/>
+        </a:p>
+      </dgm:t>
+    </dgm:pt>
+    <dgm:pt modelId="{CE3F37A1-B610-4CDB-A77E-90831A9E75E8}" type="sibTrans" cxnId="{A6B8C0A8-9E69-4833-95FD-1C2F707D0D0F}">
+      <dgm:prSet/>
+      <dgm:spPr/>
+      <dgm:t>
+        <a:bodyPr/>
+        <a:lstStyle/>
+        <a:p>
+          <a:endParaRPr lang="zh-CN" altLang="en-US"/>
+        </a:p>
+      </dgm:t>
+    </dgm:pt>
+    <dgm:pt modelId="{0787B776-5BE3-4005-A8BE-EEE0235DA248}">
+      <dgm:prSet phldrT="[文本]"/>
+      <dgm:spPr/>
+      <dgm:t>
+        <a:bodyPr/>
+        <a:lstStyle/>
+        <a:p>
+          <a:r>
+            <a:rPr lang="zh-CN" altLang="en-US" dirty="0" smtClean="0"/>
+            <a:t>测试</a:t>
+          </a:r>
+          <a:r>
+            <a:rPr lang="en-US" altLang="zh-CN" dirty="0" smtClean="0"/>
+            <a:t>5</a:t>
+          </a:r>
+          <a:endParaRPr lang="zh-CN" altLang="en-US" dirty="0"/>
+        </a:p>
+      </dgm:t>
+    </dgm:pt>
+    <dgm:pt modelId="{844A77E6-00D6-4569-BA33-E51B6572AC9E}" type="parTrans" cxnId="{818D423B-E25C-4868-9BA3-D9EE3503EDE9}">
+      <dgm:prSet/>
+      <dgm:spPr/>
+      <dgm:t>
+        <a:bodyPr/>
+        <a:lstStyle/>
+        <a:p>
+          <a:endParaRPr lang="zh-CN" altLang="en-US"/>
+        </a:p>
+      </dgm:t>
+    </dgm:pt>
+    <dgm:pt modelId="{BAE265AF-3E6F-4D0D-8397-95DE27ED097E}" type="sibTrans" cxnId="{818D423B-E25C-4868-9BA3-D9EE3503EDE9}">
+      <dgm:prSet/>
+      <dgm:spPr/>
+      <dgm:t>
+        <a:bodyPr/>
+        <a:lstStyle/>
+        <a:p>
+          <a:endParaRPr lang="zh-CN" altLang="en-US"/>
+        </a:p>
+      </dgm:t>
+    </dgm:pt>
+    <dgm:pt modelId="{00A7DC83-2307-4524-93F8-2806A3C93B76}" type="pres">
+      <dgm:prSet presAssocID="{1E0EE2BF-88E9-4166-879A-AF6ECC125875}" presName="diagram" presStyleCnt="0">
+        <dgm:presLayoutVars>
+          <dgm:dir/>
+          <dgm:resizeHandles val="exact"/>
+        </dgm:presLayoutVars>
+      </dgm:prSet>
+      <dgm:spPr/>
+    </dgm:pt>
+    <dgm:pt modelId="{859F0EB7-BAA8-47FF-8023-09435ACFAC42}" type="pres">
+      <dgm:prSet presAssocID="{48BEFD2B-8AAF-4DFB-A655-E51C28272C26}" presName="node" presStyleLbl="node1" presStyleIdx="0" presStyleCnt="5">
+        <dgm:presLayoutVars>
+          <dgm:bulletEnabled val="1"/>
+        </dgm:presLayoutVars>
+      </dgm:prSet>
+      <dgm:spPr/>
+      <dgm:t>
+        <a:bodyPr/>
+        <a:lstStyle/>
+        <a:p>
+          <a:endParaRPr lang="zh-CN" altLang="en-US"/>
+        </a:p>
+      </dgm:t>
+    </dgm:pt>
+    <dgm:pt modelId="{7A6BA69A-00E9-44ED-9280-509B571C347D}" type="pres">
+      <dgm:prSet presAssocID="{C8D69777-E939-41C8-A0DF-1730F0AFB980}" presName="sibTrans" presStyleCnt="0"/>
+      <dgm:spPr/>
+    </dgm:pt>
+    <dgm:pt modelId="{9EC506C9-6A20-4FCB-A71C-F0080B2180D5}" type="pres">
+      <dgm:prSet presAssocID="{2D69C3E6-244F-4F68-9CB7-A67E335E219C}" presName="node" presStyleLbl="node1" presStyleIdx="1" presStyleCnt="5">
+        <dgm:presLayoutVars>
+          <dgm:bulletEnabled val="1"/>
+        </dgm:presLayoutVars>
+      </dgm:prSet>
+      <dgm:spPr/>
+      <dgm:t>
+        <a:bodyPr/>
+        <a:lstStyle/>
+        <a:p>
+          <a:endParaRPr lang="zh-CN" altLang="en-US"/>
+        </a:p>
+      </dgm:t>
+    </dgm:pt>
+    <dgm:pt modelId="{790904ED-D5CD-400E-9D82-2857C83B9AC8}" type="pres">
+      <dgm:prSet presAssocID="{4C706609-5555-475B-BE8D-36BB16601472}" presName="sibTrans" presStyleCnt="0"/>
+      <dgm:spPr/>
+    </dgm:pt>
+    <dgm:pt modelId="{B7355F47-8562-4323-8ABD-A0680C36793E}" type="pres">
+      <dgm:prSet presAssocID="{ED8C2B97-A6A7-4836-B4A0-CE20A0961781}" presName="node" presStyleLbl="node1" presStyleIdx="2" presStyleCnt="5">
+        <dgm:presLayoutVars>
+          <dgm:bulletEnabled val="1"/>
+        </dgm:presLayoutVars>
+      </dgm:prSet>
+      <dgm:spPr/>
+      <dgm:t>
+        <a:bodyPr/>
+        <a:lstStyle/>
+        <a:p>
+          <a:endParaRPr lang="zh-CN" altLang="en-US"/>
+        </a:p>
+      </dgm:t>
+    </dgm:pt>
+    <dgm:pt modelId="{C30D57B2-FDBB-48BF-AFEC-20590D8A25DB}" type="pres">
+      <dgm:prSet presAssocID="{B36BF5DE-592E-4F57-8C7F-5B74CAB567CE}" presName="sibTrans" presStyleCnt="0"/>
+      <dgm:spPr/>
+    </dgm:pt>
+    <dgm:pt modelId="{1C53900E-0A05-48E9-8EFA-892B63BDC0B2}" type="pres">
+      <dgm:prSet presAssocID="{F175D095-1522-42AE-B840-7E8458F38D83}" presName="node" presStyleLbl="node1" presStyleIdx="3" presStyleCnt="5">
+        <dgm:presLayoutVars>
+          <dgm:bulletEnabled val="1"/>
+        </dgm:presLayoutVars>
+      </dgm:prSet>
+      <dgm:spPr/>
+      <dgm:t>
+        <a:bodyPr/>
+        <a:lstStyle/>
+        <a:p>
+          <a:endParaRPr lang="zh-CN" altLang="en-US"/>
+        </a:p>
+      </dgm:t>
+    </dgm:pt>
+    <dgm:pt modelId="{34496833-612F-4F0C-AF20-90D482EAA8FD}" type="pres">
+      <dgm:prSet presAssocID="{CE3F37A1-B610-4CDB-A77E-90831A9E75E8}" presName="sibTrans" presStyleCnt="0"/>
+      <dgm:spPr/>
+    </dgm:pt>
+    <dgm:pt modelId="{3B243326-AF66-46AC-BA93-3923C73B51E4}" type="pres">
+      <dgm:prSet presAssocID="{0787B776-5BE3-4005-A8BE-EEE0235DA248}" presName="node" presStyleLbl="node1" presStyleIdx="4" presStyleCnt="5">
+        <dgm:presLayoutVars>
+          <dgm:bulletEnabled val="1"/>
+        </dgm:presLayoutVars>
+      </dgm:prSet>
+      <dgm:spPr/>
+      <dgm:t>
+        <a:bodyPr/>
+        <a:lstStyle/>
+        <a:p>
+          <a:endParaRPr lang="zh-CN" altLang="en-US"/>
+        </a:p>
+      </dgm:t>
+    </dgm:pt>
+  </dgm:ptLst>
+  <dgm:cxnLst>
+    <dgm:cxn modelId="{042F9408-8F6B-4CCF-BE30-E56572794429}" type="presOf" srcId="{2D69C3E6-244F-4F68-9CB7-A67E335E219C}" destId="{9EC506C9-6A20-4FCB-A71C-F0080B2180D5}" srcOrd="0" destOrd="0" presId="urn:microsoft.com/office/officeart/2005/8/layout/default"/>
+    <dgm:cxn modelId="{5535CCE7-3987-4A44-95A5-4F4857136D90}" type="presOf" srcId="{ED8C2B97-A6A7-4836-B4A0-CE20A0961781}" destId="{B7355F47-8562-4323-8ABD-A0680C36793E}" srcOrd="0" destOrd="0" presId="urn:microsoft.com/office/officeart/2005/8/layout/default"/>
+    <dgm:cxn modelId="{4A89BACD-BA41-4D88-9BF3-4696DFDE5A83}" srcId="{1E0EE2BF-88E9-4166-879A-AF6ECC125875}" destId="{48BEFD2B-8AAF-4DFB-A655-E51C28272C26}" srcOrd="0" destOrd="0" parTransId="{0663D19F-658A-453B-95A0-A6D920148CBB}" sibTransId="{C8D69777-E939-41C8-A0DF-1730F0AFB980}"/>
+    <dgm:cxn modelId="{818D423B-E25C-4868-9BA3-D9EE3503EDE9}" srcId="{1E0EE2BF-88E9-4166-879A-AF6ECC125875}" destId="{0787B776-5BE3-4005-A8BE-EEE0235DA248}" srcOrd="4" destOrd="0" parTransId="{844A77E6-00D6-4569-BA33-E51B6572AC9E}" sibTransId="{BAE265AF-3E6F-4D0D-8397-95DE27ED097E}"/>
+    <dgm:cxn modelId="{F156D820-B2FC-455D-A6CE-07240398980C}" type="presOf" srcId="{1E0EE2BF-88E9-4166-879A-AF6ECC125875}" destId="{00A7DC83-2307-4524-93F8-2806A3C93B76}" srcOrd="0" destOrd="0" presId="urn:microsoft.com/office/officeart/2005/8/layout/default"/>
+    <dgm:cxn modelId="{C4C07D96-9E87-4DB4-B1AB-1350EC9EEC36}" srcId="{1E0EE2BF-88E9-4166-879A-AF6ECC125875}" destId="{2D69C3E6-244F-4F68-9CB7-A67E335E219C}" srcOrd="1" destOrd="0" parTransId="{07DD17EE-647E-48E7-8D5F-BA85F8B5F354}" sibTransId="{4C706609-5555-475B-BE8D-36BB16601472}"/>
+    <dgm:cxn modelId="{3AC35002-C932-4684-899B-9FCAFF123CF0}" type="presOf" srcId="{0787B776-5BE3-4005-A8BE-EEE0235DA248}" destId="{3B243326-AF66-46AC-BA93-3923C73B51E4}" srcOrd="0" destOrd="0" presId="urn:microsoft.com/office/officeart/2005/8/layout/default"/>
+    <dgm:cxn modelId="{9B1FCA6F-3A94-47CE-A5C7-BD5CD487E58C}" type="presOf" srcId="{48BEFD2B-8AAF-4DFB-A655-E51C28272C26}" destId="{859F0EB7-BAA8-47FF-8023-09435ACFAC42}" srcOrd="0" destOrd="0" presId="urn:microsoft.com/office/officeart/2005/8/layout/default"/>
+    <dgm:cxn modelId="{591C8C9B-DDAB-408A-BECE-CE869B23F9C0}" srcId="{1E0EE2BF-88E9-4166-879A-AF6ECC125875}" destId="{ED8C2B97-A6A7-4836-B4A0-CE20A0961781}" srcOrd="2" destOrd="0" parTransId="{120E85F6-EAA7-475A-8D4C-F66E2D978C30}" sibTransId="{B36BF5DE-592E-4F57-8C7F-5B74CAB567CE}"/>
+    <dgm:cxn modelId="{A6B8C0A8-9E69-4833-95FD-1C2F707D0D0F}" srcId="{1E0EE2BF-88E9-4166-879A-AF6ECC125875}" destId="{F175D095-1522-42AE-B840-7E8458F38D83}" srcOrd="3" destOrd="0" parTransId="{490C34D7-77E6-452D-9E92-F8E1AFBC6C4F}" sibTransId="{CE3F37A1-B610-4CDB-A77E-90831A9E75E8}"/>
+    <dgm:cxn modelId="{A0996781-4B0C-4AA9-BF04-BCEFC3DE6E86}" type="presOf" srcId="{F175D095-1522-42AE-B840-7E8458F38D83}" destId="{1C53900E-0A05-48E9-8EFA-892B63BDC0B2}" srcOrd="0" destOrd="0" presId="urn:microsoft.com/office/officeart/2005/8/layout/default"/>
+    <dgm:cxn modelId="{CB190FA0-06D7-43A7-BCF9-B5C47F598A9B}" type="presParOf" srcId="{00A7DC83-2307-4524-93F8-2806A3C93B76}" destId="{859F0EB7-BAA8-47FF-8023-09435ACFAC42}" srcOrd="0" destOrd="0" presId="urn:microsoft.com/office/officeart/2005/8/layout/default"/>
+    <dgm:cxn modelId="{D1E5E0E4-8B0A-49A7-9D69-154B2ACDC51B}" type="presParOf" srcId="{00A7DC83-2307-4524-93F8-2806A3C93B76}" destId="{7A6BA69A-00E9-44ED-9280-509B571C347D}" srcOrd="1" destOrd="0" presId="urn:microsoft.com/office/officeart/2005/8/layout/default"/>
+    <dgm:cxn modelId="{2C22301A-BCA6-42ED-89F3-8186D363243D}" type="presParOf" srcId="{00A7DC83-2307-4524-93F8-2806A3C93B76}" destId="{9EC506C9-6A20-4FCB-A71C-F0080B2180D5}" srcOrd="2" destOrd="0" presId="urn:microsoft.com/office/officeart/2005/8/layout/default"/>
+    <dgm:cxn modelId="{33541630-2861-4893-8783-81C0E949857C}" type="presParOf" srcId="{00A7DC83-2307-4524-93F8-2806A3C93B76}" destId="{790904ED-D5CD-400E-9D82-2857C83B9AC8}" srcOrd="3" destOrd="0" presId="urn:microsoft.com/office/officeart/2005/8/layout/default"/>
+    <dgm:cxn modelId="{AED4FBC6-345E-4DA5-A228-1E9B771CA603}" type="presParOf" srcId="{00A7DC83-2307-4524-93F8-2806A3C93B76}" destId="{B7355F47-8562-4323-8ABD-A0680C36793E}" srcOrd="4" destOrd="0" presId="urn:microsoft.com/office/officeart/2005/8/layout/default"/>
+    <dgm:cxn modelId="{E4BE81D0-4112-4A22-978A-1FEC621B3FFD}" type="presParOf" srcId="{00A7DC83-2307-4524-93F8-2806A3C93B76}" destId="{C30D57B2-FDBB-48BF-AFEC-20590D8A25DB}" srcOrd="5" destOrd="0" presId="urn:microsoft.com/office/officeart/2005/8/layout/default"/>
+    <dgm:cxn modelId="{0D07F03E-FD43-4926-96BA-879B97A565E7}" type="presParOf" srcId="{00A7DC83-2307-4524-93F8-2806A3C93B76}" destId="{1C53900E-0A05-48E9-8EFA-892B63BDC0B2}" srcOrd="6" destOrd="0" presId="urn:microsoft.com/office/officeart/2005/8/layout/default"/>
+    <dgm:cxn modelId="{BEDC1ED9-24AC-42A5-9AA6-28A8A45D3F24}" type="presParOf" srcId="{00A7DC83-2307-4524-93F8-2806A3C93B76}" destId="{34496833-612F-4F0C-AF20-90D482EAA8FD}" srcOrd="7" destOrd="0" presId="urn:microsoft.com/office/officeart/2005/8/layout/default"/>
+    <dgm:cxn modelId="{A1909BF9-EAD5-4042-A8E7-708E3071FA69}" type="presParOf" srcId="{00A7DC83-2307-4524-93F8-2806A3C93B76}" destId="{3B243326-AF66-46AC-BA93-3923C73B51E4}" srcOrd="8" destOrd="0" presId="urn:microsoft.com/office/officeart/2005/8/layout/default"/>
+  </dgm:cxnLst>
+  <dgm:bg/>
+  <dgm:whole/>
+  <dgm:extLst>
+    <a:ext uri="http://schemas.microsoft.com/office/drawing/2008/diagram">
+      <dsp:dataModelExt xmlns:dsp="http://schemas.microsoft.com/office/drawing/2008/diagram" relId="rId6" minVer="http://schemas.openxmlformats.org/drawingml/2006/diagram"/>
+    </a:ext>
+  </dgm:extLst>
+</dgm:dataModel>
+</file>
+
+<file path=ppt/diagrams/drawing1.xml><?xml version="1.0" encoding="utf-8"?>
+<dsp:drawing xmlns:dgm="http://schemas.openxmlformats.org/drawingml/2006/diagram" xmlns:dsp="http://schemas.microsoft.com/office/drawing/2008/diagram" xmlns:a="http://schemas.openxmlformats.org/drawingml/2006/main">
+  <dsp:spTree>
+    <dsp:nvGrpSpPr>
+      <dsp:cNvPr id="0" name=""/>
+      <dsp:cNvGrpSpPr/>
+    </dsp:nvGrpSpPr>
+    <dsp:grpSpPr/>
+    <dsp:sp modelId="{859F0EB7-BAA8-47FF-8023-09435ACFAC42}">
+      <dsp:nvSpPr>
+        <dsp:cNvPr id="0" name=""/>
+        <dsp:cNvSpPr/>
+      </dsp:nvSpPr>
+      <dsp:spPr>
+        <a:xfrm>
+          <a:off x="916483" y="1984"/>
+          <a:ext cx="2030015" cy="1218009"/>
+        </a:xfrm>
+        <a:prstGeom prst="rect">
+          <a:avLst/>
+        </a:prstGeom>
+        <a:solidFill>
+          <a:schemeClr val="accent1">
+            <a:hueOff val="0"/>
+            <a:satOff val="0"/>
+            <a:lumOff val="0"/>
+            <a:alphaOff val="0"/>
+          </a:schemeClr>
+        </a:solidFill>
+        <a:ln w="25400" cap="flat" cmpd="sng" algn="ctr">
+          <a:solidFill>
+            <a:schemeClr val="lt1">
+              <a:hueOff val="0"/>
+              <a:satOff val="0"/>
+              <a:lumOff val="0"/>
+              <a:alphaOff val="0"/>
+            </a:schemeClr>
+          </a:solidFill>
+          <a:prstDash val="solid"/>
+        </a:ln>
+        <a:effectLst/>
+      </dsp:spPr>
+      <dsp:style>
+        <a:lnRef idx="2">
+          <a:scrgbClr r="0" g="0" b="0"/>
+        </a:lnRef>
+        <a:fillRef idx="1">
+          <a:scrgbClr r="0" g="0" b="0"/>
+        </a:fillRef>
+        <a:effectRef idx="0">
+          <a:scrgbClr r="0" g="0" b="0"/>
+        </a:effectRef>
+        <a:fontRef idx="minor">
+          <a:schemeClr val="lt1"/>
+        </a:fontRef>
+      </dsp:style>
+      <dsp:txBody>
+        <a:bodyPr spcFirstLastPara="0" vert="horz" wrap="square" lIns="194310" tIns="194310" rIns="194310" bIns="194310" numCol="1" spcCol="1270" anchor="ctr" anchorCtr="0">
+          <a:noAutofit/>
+        </a:bodyPr>
+        <a:lstStyle/>
+        <a:p>
+          <a:pPr lvl="0" algn="ctr" defTabSz="2266950">
+            <a:lnSpc>
+              <a:spcPct val="90000"/>
+            </a:lnSpc>
+            <a:spcBef>
+              <a:spcPct val="0"/>
+            </a:spcBef>
+            <a:spcAft>
+              <a:spcPct val="35000"/>
+            </a:spcAft>
+          </a:pPr>
+          <a:r>
+            <a:rPr lang="zh-CN" altLang="en-US" sz="5100" kern="1200" dirty="0" smtClean="0"/>
+            <a:t>测试</a:t>
+          </a:r>
+          <a:r>
+            <a:rPr lang="en-US" altLang="zh-CN" sz="5100" kern="1200" dirty="0" smtClean="0"/>
+            <a:t>1</a:t>
+          </a:r>
+          <a:endParaRPr lang="zh-CN" altLang="en-US" sz="5100" kern="1200" dirty="0"/>
+        </a:p>
+      </dsp:txBody>
+      <dsp:txXfrm>
+        <a:off x="916483" y="1984"/>
+        <a:ext cx="2030015" cy="1218009"/>
+      </dsp:txXfrm>
+    </dsp:sp>
+    <dsp:sp modelId="{9EC506C9-6A20-4FCB-A71C-F0080B2180D5}">
+      <dsp:nvSpPr>
+        <dsp:cNvPr id="0" name=""/>
+        <dsp:cNvSpPr/>
+      </dsp:nvSpPr>
+      <dsp:spPr>
+        <a:xfrm>
+          <a:off x="3149500" y="1984"/>
+          <a:ext cx="2030015" cy="1218009"/>
+        </a:xfrm>
+        <a:prstGeom prst="rect">
+          <a:avLst/>
+        </a:prstGeom>
+        <a:solidFill>
+          <a:schemeClr val="accent1">
+            <a:hueOff val="0"/>
+            <a:satOff val="0"/>
+            <a:lumOff val="0"/>
+            <a:alphaOff val="0"/>
+          </a:schemeClr>
+        </a:solidFill>
+        <a:ln w="25400" cap="flat" cmpd="sng" algn="ctr">
+          <a:solidFill>
+            <a:schemeClr val="lt1">
+              <a:hueOff val="0"/>
+              <a:satOff val="0"/>
+              <a:lumOff val="0"/>
+              <a:alphaOff val="0"/>
+            </a:schemeClr>
+          </a:solidFill>
+          <a:prstDash val="solid"/>
+        </a:ln>
+        <a:effectLst/>
+      </dsp:spPr>
+      <dsp:style>
+        <a:lnRef idx="2">
+          <a:scrgbClr r="0" g="0" b="0"/>
+        </a:lnRef>
+        <a:fillRef idx="1">
+          <a:scrgbClr r="0" g="0" b="0"/>
+        </a:fillRef>
+        <a:effectRef idx="0">
+          <a:scrgbClr r="0" g="0" b="0"/>
+        </a:effectRef>
+        <a:fontRef idx="minor">
+          <a:schemeClr val="lt1"/>
+        </a:fontRef>
+      </dsp:style>
+      <dsp:txBody>
+        <a:bodyPr spcFirstLastPara="0" vert="horz" wrap="square" lIns="194310" tIns="194310" rIns="194310" bIns="194310" numCol="1" spcCol="1270" anchor="ctr" anchorCtr="0">
+          <a:noAutofit/>
+        </a:bodyPr>
+        <a:lstStyle/>
+        <a:p>
+          <a:pPr lvl="0" algn="ctr" defTabSz="2266950">
+            <a:lnSpc>
+              <a:spcPct val="90000"/>
+            </a:lnSpc>
+            <a:spcBef>
+              <a:spcPct val="0"/>
+            </a:spcBef>
+            <a:spcAft>
+              <a:spcPct val="35000"/>
+            </a:spcAft>
+          </a:pPr>
+          <a:r>
+            <a:rPr lang="zh-CN" altLang="en-US" sz="5100" kern="1200" dirty="0" smtClean="0"/>
+            <a:t>测试</a:t>
+          </a:r>
+          <a:r>
+            <a:rPr lang="en-US" altLang="zh-CN" sz="5100" kern="1200" dirty="0" smtClean="0"/>
+            <a:t>2</a:t>
+          </a:r>
+          <a:endParaRPr lang="zh-CN" altLang="en-US" sz="5100" kern="1200" dirty="0"/>
+        </a:p>
+      </dsp:txBody>
+      <dsp:txXfrm>
+        <a:off x="3149500" y="1984"/>
+        <a:ext cx="2030015" cy="1218009"/>
+      </dsp:txXfrm>
+    </dsp:sp>
+    <dsp:sp modelId="{B7355F47-8562-4323-8ABD-A0680C36793E}">
+      <dsp:nvSpPr>
+        <dsp:cNvPr id="0" name=""/>
+        <dsp:cNvSpPr/>
+      </dsp:nvSpPr>
+      <dsp:spPr>
+        <a:xfrm>
+          <a:off x="916483" y="1422995"/>
+          <a:ext cx="2030015" cy="1218009"/>
+        </a:xfrm>
+        <a:prstGeom prst="rect">
+          <a:avLst/>
+        </a:prstGeom>
+        <a:solidFill>
+          <a:schemeClr val="accent1">
+            <a:hueOff val="0"/>
+            <a:satOff val="0"/>
+            <a:lumOff val="0"/>
+            <a:alphaOff val="0"/>
+          </a:schemeClr>
+        </a:solidFill>
+        <a:ln w="25400" cap="flat" cmpd="sng" algn="ctr">
+          <a:solidFill>
+            <a:schemeClr val="lt1">
+              <a:hueOff val="0"/>
+              <a:satOff val="0"/>
+              <a:lumOff val="0"/>
+              <a:alphaOff val="0"/>
+            </a:schemeClr>
+          </a:solidFill>
+          <a:prstDash val="solid"/>
+        </a:ln>
+        <a:effectLst/>
+      </dsp:spPr>
+      <dsp:style>
+        <a:lnRef idx="2">
+          <a:scrgbClr r="0" g="0" b="0"/>
+        </a:lnRef>
+        <a:fillRef idx="1">
+          <a:scrgbClr r="0" g="0" b="0"/>
+        </a:fillRef>
+        <a:effectRef idx="0">
+          <a:scrgbClr r="0" g="0" b="0"/>
+        </a:effectRef>
+        <a:fontRef idx="minor">
+          <a:schemeClr val="lt1"/>
+        </a:fontRef>
+      </dsp:style>
+      <dsp:txBody>
+        <a:bodyPr spcFirstLastPara="0" vert="horz" wrap="square" lIns="194310" tIns="194310" rIns="194310" bIns="194310" numCol="1" spcCol="1270" anchor="ctr" anchorCtr="0">
+          <a:noAutofit/>
+        </a:bodyPr>
+        <a:lstStyle/>
+        <a:p>
+          <a:pPr lvl="0" algn="ctr" defTabSz="2266950">
+            <a:lnSpc>
+              <a:spcPct val="90000"/>
+            </a:lnSpc>
+            <a:spcBef>
+              <a:spcPct val="0"/>
+            </a:spcBef>
+            <a:spcAft>
+              <a:spcPct val="35000"/>
+            </a:spcAft>
+          </a:pPr>
+          <a:r>
+            <a:rPr lang="zh-CN" altLang="en-US" sz="5100" kern="1200" dirty="0" smtClean="0"/>
+            <a:t>测试</a:t>
+          </a:r>
+          <a:r>
+            <a:rPr lang="en-US" altLang="zh-CN" sz="5100" kern="1200" dirty="0" smtClean="0"/>
+            <a:t>3</a:t>
+          </a:r>
+          <a:endParaRPr lang="zh-CN" altLang="en-US" sz="5100" kern="1200" dirty="0"/>
+        </a:p>
+      </dsp:txBody>
+      <dsp:txXfrm>
+        <a:off x="916483" y="1422995"/>
+        <a:ext cx="2030015" cy="1218009"/>
+      </dsp:txXfrm>
+    </dsp:sp>
+    <dsp:sp modelId="{1C53900E-0A05-48E9-8EFA-892B63BDC0B2}">
+      <dsp:nvSpPr>
+        <dsp:cNvPr id="0" name=""/>
+        <dsp:cNvSpPr/>
+      </dsp:nvSpPr>
+      <dsp:spPr>
+        <a:xfrm>
+          <a:off x="3149500" y="1422995"/>
+          <a:ext cx="2030015" cy="1218009"/>
+        </a:xfrm>
+        <a:prstGeom prst="rect">
+          <a:avLst/>
+        </a:prstGeom>
+        <a:solidFill>
+          <a:schemeClr val="accent1">
+            <a:hueOff val="0"/>
+            <a:satOff val="0"/>
+            <a:lumOff val="0"/>
+            <a:alphaOff val="0"/>
+          </a:schemeClr>
+        </a:solidFill>
+        <a:ln w="25400" cap="flat" cmpd="sng" algn="ctr">
+          <a:solidFill>
+            <a:schemeClr val="lt1">
+              <a:hueOff val="0"/>
+              <a:satOff val="0"/>
+              <a:lumOff val="0"/>
+              <a:alphaOff val="0"/>
+            </a:schemeClr>
+          </a:solidFill>
+          <a:prstDash val="solid"/>
+        </a:ln>
+        <a:effectLst/>
+      </dsp:spPr>
+      <dsp:style>
+        <a:lnRef idx="2">
+          <a:scrgbClr r="0" g="0" b="0"/>
+        </a:lnRef>
+        <a:fillRef idx="1">
+          <a:scrgbClr r="0" g="0" b="0"/>
+        </a:fillRef>
+        <a:effectRef idx="0">
+          <a:scrgbClr r="0" g="0" b="0"/>
+        </a:effectRef>
+        <a:fontRef idx="minor">
+          <a:schemeClr val="lt1"/>
+        </a:fontRef>
+      </dsp:style>
+      <dsp:txBody>
+        <a:bodyPr spcFirstLastPara="0" vert="horz" wrap="square" lIns="194310" tIns="194310" rIns="194310" bIns="194310" numCol="1" spcCol="1270" anchor="ctr" anchorCtr="0">
+          <a:noAutofit/>
+        </a:bodyPr>
+        <a:lstStyle/>
+        <a:p>
+          <a:pPr lvl="0" algn="ctr" defTabSz="2266950">
+            <a:lnSpc>
+              <a:spcPct val="90000"/>
+            </a:lnSpc>
+            <a:spcBef>
+              <a:spcPct val="0"/>
+            </a:spcBef>
+            <a:spcAft>
+              <a:spcPct val="35000"/>
+            </a:spcAft>
+          </a:pPr>
+          <a:r>
+            <a:rPr lang="zh-CN" altLang="en-US" sz="5100" kern="1200" dirty="0" smtClean="0"/>
+            <a:t>测试</a:t>
+          </a:r>
+          <a:r>
+            <a:rPr lang="en-US" altLang="zh-CN" sz="5100" kern="1200" dirty="0" smtClean="0"/>
+            <a:t>4</a:t>
+          </a:r>
+          <a:endParaRPr lang="zh-CN" altLang="en-US" sz="5100" kern="1200" dirty="0"/>
+        </a:p>
+      </dsp:txBody>
+      <dsp:txXfrm>
+        <a:off x="3149500" y="1422995"/>
+        <a:ext cx="2030015" cy="1218009"/>
+      </dsp:txXfrm>
+    </dsp:sp>
+    <dsp:sp modelId="{3B243326-AF66-46AC-BA93-3923C73B51E4}">
+      <dsp:nvSpPr>
+        <dsp:cNvPr id="0" name=""/>
+        <dsp:cNvSpPr/>
+      </dsp:nvSpPr>
+      <dsp:spPr>
+        <a:xfrm>
+          <a:off x="2032992" y="2844006"/>
+          <a:ext cx="2030015" cy="1218009"/>
+        </a:xfrm>
+        <a:prstGeom prst="rect">
+          <a:avLst/>
+        </a:prstGeom>
+        <a:solidFill>
+          <a:schemeClr val="accent1">
+            <a:hueOff val="0"/>
+            <a:satOff val="0"/>
+            <a:lumOff val="0"/>
+            <a:alphaOff val="0"/>
+          </a:schemeClr>
+        </a:solidFill>
+        <a:ln w="25400" cap="flat" cmpd="sng" algn="ctr">
+          <a:solidFill>
+            <a:schemeClr val="lt1">
+              <a:hueOff val="0"/>
+              <a:satOff val="0"/>
+              <a:lumOff val="0"/>
+              <a:alphaOff val="0"/>
+            </a:schemeClr>
+          </a:solidFill>
+          <a:prstDash val="solid"/>
+        </a:ln>
+        <a:effectLst/>
+      </dsp:spPr>
+      <dsp:style>
+        <a:lnRef idx="2">
+          <a:scrgbClr r="0" g="0" b="0"/>
+        </a:lnRef>
+        <a:fillRef idx="1">
+          <a:scrgbClr r="0" g="0" b="0"/>
+        </a:fillRef>
+        <a:effectRef idx="0">
+          <a:scrgbClr r="0" g="0" b="0"/>
+        </a:effectRef>
+        <a:fontRef idx="minor">
+          <a:schemeClr val="lt1"/>
+        </a:fontRef>
+      </dsp:style>
+      <dsp:txBody>
+        <a:bodyPr spcFirstLastPara="0" vert="horz" wrap="square" lIns="194310" tIns="194310" rIns="194310" bIns="194310" numCol="1" spcCol="1270" anchor="ctr" anchorCtr="0">
+          <a:noAutofit/>
+        </a:bodyPr>
+        <a:lstStyle/>
+        <a:p>
+          <a:pPr lvl="0" algn="ctr" defTabSz="2266950">
+            <a:lnSpc>
+              <a:spcPct val="90000"/>
+            </a:lnSpc>
+            <a:spcBef>
+              <a:spcPct val="0"/>
+            </a:spcBef>
+            <a:spcAft>
+              <a:spcPct val="35000"/>
+            </a:spcAft>
+          </a:pPr>
+          <a:r>
+            <a:rPr lang="zh-CN" altLang="en-US" sz="5100" kern="1200" dirty="0" smtClean="0"/>
+            <a:t>测试</a:t>
+          </a:r>
+          <a:r>
+            <a:rPr lang="en-US" altLang="zh-CN" sz="5100" kern="1200" dirty="0" smtClean="0"/>
+            <a:t>5</a:t>
+          </a:r>
+          <a:endParaRPr lang="zh-CN" altLang="en-US" sz="5100" kern="1200" dirty="0"/>
+        </a:p>
+      </dsp:txBody>
+      <dsp:txXfrm>
+        <a:off x="2032992" y="2844006"/>
+        <a:ext cx="2030015" cy="1218009"/>
+      </dsp:txXfrm>
+    </dsp:sp>
+  </dsp:spTree>
+</dsp:drawing>
+</file>
+
+<file path=ppt/diagrams/layout1.xml><?xml version="1.0" encoding="utf-8"?>
+<dgm:layoutDef xmlns:dgm="http://schemas.openxmlformats.org/drawingml/2006/diagram" xmlns:a="http://schemas.openxmlformats.org/drawingml/2006/main" uniqueId="urn:microsoft.com/office/officeart/2005/8/layout/default">
+  <dgm:title val=""/>
+  <dgm:desc val=""/>
+  <dgm:catLst>
+    <dgm:cat type="list" pri="400"/>
+  </dgm:catLst>
+  <dgm:sampData>
+    <dgm:dataModel>
+      <dgm:ptLst>
+        <dgm:pt modelId="0" type="doc"/>
+        <dgm:pt modelId="1">
+          <dgm:prSet phldr="1"/>
+        </dgm:pt>
+        <dgm:pt modelId="2">
+          <dgm:prSet phldr="1"/>
+        </dgm:pt>
+        <dgm:pt modelId="3">
+          <dgm:prSet phldr="1"/>
+        </dgm:pt>
+        <dgm:pt modelId="4">
+          <dgm:prSet phldr="1"/>
+        </dgm:pt>
+        <dgm:pt modelId="5">
+          <dgm:prSet phldr="1"/>
+        </dgm:pt>
+      </dgm:ptLst>
+      <dgm:cxnLst>
+        <dgm:cxn modelId="6" srcId="0" destId="1" srcOrd="0" destOrd="0"/>
+        <dgm:cxn modelId="7" srcId="0" destId="2" srcOrd="1" destOrd="0"/>
+        <dgm:cxn modelId="8" srcId="0" destId="3" srcOrd="2" destOrd="0"/>
+        <dgm:cxn modelId="9" srcId="0" destId="4" srcOrd="3" destOrd="0"/>
+        <dgm:cxn modelId="10" srcId="0" destId="5" srcOrd="4" destOrd="0"/>
+      </dgm:cxnLst>
+      <dgm:bg/>
+      <dgm:whole/>
+    </dgm:dataModel>
+  </dgm:sampData>
+  <dgm:styleData>
+    <dgm:dataModel>
+      <dgm:ptLst>
+        <dgm:pt modelId="0" type="doc"/>
+        <dgm:pt modelId="1"/>
+        <dgm:pt modelId="2"/>
+      </dgm:ptLst>
+      <dgm:cxnLst>
+        <dgm:cxn modelId="3" srcId="0" destId="1" srcOrd="0" destOrd="0"/>
+        <dgm:cxn modelId="4" srcId="0" destId="2" srcOrd="1" destOrd="0"/>
+      </dgm:cxnLst>
+      <dgm:bg/>
+      <dgm:whole/>
+    </dgm:dataModel>
+  </dgm:styleData>
+  <dgm:clrData>
+    <dgm:dataModel>
+      <dgm:ptLst>
+        <dgm:pt modelId="0" type="doc"/>
+        <dgm:pt modelId="1"/>
+        <dgm:pt modelId="2"/>
+        <dgm:pt modelId="3"/>
+        <dgm:pt modelId="4"/>
+        <dgm:pt modelId="5"/>
+        <dgm:pt modelId="6"/>
+      </dgm:ptLst>
+      <dgm:cxnLst>
+        <dgm:cxn modelId="7" srcId="0" destId="1" srcOrd="0" destOrd="0"/>
+        <dgm:cxn modelId="8" srcId="0" destId="2" srcOrd="1" destOrd="0"/>
+        <dgm:cxn modelId="9" srcId="0" destId="3" srcOrd="2" destOrd="0"/>
+        <dgm:cxn modelId="10" srcId="0" destId="4" srcOrd="3" destOrd="0"/>
+        <dgm:cxn modelId="11" srcId="0" destId="5" srcOrd="4" destOrd="0"/>
+        <dgm:cxn modelId="12" srcId="0" destId="6" srcOrd="5" destOrd="0"/>
+      </dgm:cxnLst>
+      <dgm:bg/>
+      <dgm:whole/>
+    </dgm:dataModel>
+  </dgm:clrData>
+  <dgm:layoutNode name="diagram">
+    <dgm:varLst>
+      <dgm:dir/>
+      <dgm:resizeHandles val="exact"/>
+    </dgm:varLst>
+    <dgm:choose name="Name0">
+      <dgm:if name="Name1" func="var" arg="dir" op="equ" val="norm">
+        <dgm:alg type="snake">
+          <dgm:param type="grDir" val="tL"/>
+          <dgm:param type="flowDir" val="row"/>
+          <dgm:param type="contDir" val="sameDir"/>
+          <dgm:param type="off" val="ctr"/>
+        </dgm:alg>
+      </dgm:if>
+      <dgm:else name="Name2">
+        <dgm:alg type="snake">
+          <dgm:param type="grDir" val="tR"/>
+          <dgm:param type="flowDir" val="row"/>
+          <dgm:param type="contDir" val="sameDir"/>
+          <dgm:param type="off" val="ctr"/>
+        </dgm:alg>
+      </dgm:else>
+    </dgm:choose>
+    <dgm:shape xmlns:r="http://schemas.openxmlformats.org/officeDocument/2006/relationships" r:blip="">
+      <dgm:adjLst/>
+    </dgm:shape>
+    <dgm:presOf/>
+    <dgm:constrLst>
+      <dgm:constr type="w" for="ch" forName="node" refType="w"/>
+      <dgm:constr type="h" for="ch" forName="node" refType="w" refFor="ch" refForName="node" fact="0.6"/>
+      <dgm:constr type="w" for="ch" forName="sibTrans" refType="w" refFor="ch" refForName="node" fact="0.1"/>
+      <dgm:constr type="sp" refType="w" refFor="ch" refForName="sibTrans"/>
+      <dgm:constr type="primFontSz" for="ch" forName="node" op="equ" val="65"/>
+    </dgm:constrLst>
+    <dgm:ruleLst/>
+    <dgm:forEach name="Name3" axis="ch" ptType="node">
+      <dgm:layoutNode name="node">
+        <dgm:varLst>
+          <dgm:bulletEnabled val="1"/>
+        </dgm:varLst>
+        <dgm:alg type="tx"/>
+        <dgm:shape xmlns:r="http://schemas.openxmlformats.org/officeDocument/2006/relationships" type="rect" r:blip="">
+          <dgm:adjLst/>
+        </dgm:shape>
+        <dgm:presOf axis="desOrSelf" ptType="node"/>
+        <dgm:constrLst>
+          <dgm:constr type="lMarg" refType="primFontSz" fact="0.3"/>
+          <dgm:constr type="rMarg" refType="primFontSz" fact="0.3"/>
+          <dgm:constr type="tMarg" refType="primFontSz" fact="0.3"/>
+          <dgm:constr type="bMarg" refType="primFontSz" fact="0.3"/>
+        </dgm:constrLst>
+        <dgm:ruleLst>
+          <dgm:rule type="primFontSz" val="5" fact="NaN" max="NaN"/>
+        </dgm:ruleLst>
+      </dgm:layoutNode>
+      <dgm:forEach name="Name4" axis="followSib" ptType="sibTrans" cnt="1">
+        <dgm:layoutNode name="sibTrans">
+          <dgm:alg type="sp"/>
+          <dgm:shape xmlns:r="http://schemas.openxmlformats.org/officeDocument/2006/relationships" r:blip="">
+            <dgm:adjLst/>
+          </dgm:shape>
+          <dgm:presOf/>
+          <dgm:constrLst/>
+          <dgm:ruleLst/>
+        </dgm:layoutNode>
+      </dgm:forEach>
+    </dgm:forEach>
+  </dgm:layoutNode>
+</dgm:layoutDef>
+</file>
+
+<file path=ppt/diagrams/quickStyle1.xml><?xml version="1.0" encoding="utf-8"?>
+<dgm:styleDef xmlns:dgm="http://schemas.openxmlformats.org/drawingml/2006/diagram" xmlns:a="http://schemas.openxmlformats.org/drawingml/2006/main" uniqueId="urn:microsoft.com/office/officeart/2005/8/quickstyle/simple1">
+  <dgm:title val=""/>
+  <dgm:desc val=""/>
+  <dgm:catLst>
+    <dgm:cat type="simple" pri="10100"/>
+  </dgm:catLst>
+  <dgm:scene3d>
+    <a:camera prst="orthographicFront"/>
+    <a:lightRig rig="threePt" dir="t"/>
+  </dgm:scene3d>
+  <dgm:styleLbl name="node0">
+    <dgm:scene3d>
+      <a:camera prst="orthographicFront"/>
+      <a:lightRig rig="threePt" dir="t"/>
+    </dgm:scene3d>
+    <dgm:sp3d/>
+    <dgm:txPr/>
+    <dgm:style>
+      <a:lnRef idx="2">
+        <a:scrgbClr r="0" g="0" b="0"/>
+      </a:lnRef>
+      <a:fillRef idx="1">
+        <a:scrgbClr r="0" g="0" b="0"/>
+      </a:fillRef>
+      <a:effectRef idx="0">
+        <a:scrgbClr r="0" g="0" b="0"/>
+      </a:effectRef>
+      <a:fontRef idx="minor">
+        <a:schemeClr val="lt1"/>
+      </a:fontRef>
+    </dgm:style>
+  </dgm:styleLbl>
+  <dgm:styleLbl name="lnNode1">
+    <dgm:scene3d>
+      <a:camera prst="orthographicFront"/>
+      <a:lightRig rig="threePt" dir="t"/>
+    </dgm:scene3d>
+    <dgm:sp3d/>
+    <dgm:txPr/>
+    <dgm:style>
+      <a:lnRef idx="2">
+        <a:scrgbClr r="0" g="0" b="0"/>
+      </a:lnRef>
+      <a:fillRef idx="1">
+        <a:scrgbClr r="0" g="0" b="0"/>
+      </a:fillRef>
+      <a:effectRef idx="0">
+        <a:scrgbClr r="0" g="0" b="0"/>
+      </a:effectRef>
+      <a:fontRef idx="minor">
+        <a:schemeClr val="lt1"/>
+      </a:fontRef>
+    </dgm:style>
+  </dgm:styleLbl>
+  <dgm:styleLbl name="vennNode1">
+    <dgm:scene3d>
+      <a:camera prst="orthographicFront"/>
+      <a:lightRig rig="threePt" dir="t"/>
+    </dgm:scene3d>
+    <dgm:sp3d/>
+    <dgm:txPr/>
+    <dgm:style>
+      <a:lnRef idx="2">
+        <a:scrgbClr r="0" g="0" b="0"/>
+      </a:lnRef>
+      <a:fillRef idx="1">
+        <a:scrgbClr r="0" g="0" b="0"/>
+      </a:fillRef>
+      <a:effectRef idx="0">
+        <a:scrgbClr r="0" g="0" b="0"/>
+      </a:effectRef>
+      <a:fontRef idx="minor">
+        <a:schemeClr val="tx1"/>
+      </a:fontRef>
+    </dgm:style>
+  </dgm:styleLbl>
+  <dgm:styleLbl name="alignNode1">
+    <dgm:scene3d>
+      <a:camera prst="orthographicFront"/>
+      <a:lightRig rig="threePt" dir="t"/>
+    </dgm:scene3d>
+    <dgm:sp3d/>
+    <dgm:txPr/>
+    <dgm:style>
+      <a:lnRef idx="2">
+        <a:scrgbClr r="0" g="0" b="0"/>
+      </a:lnRef>
+      <a:fillRef idx="1">
+        <a:scrgbClr r="0" g="0" b="0"/>
+      </a:fillRef>
+      <a:effectRef idx="0">
+        <a:scrgbClr r="0" g="0" b="0"/>
+      </a:effectRef>
+      <a:fontRef idx="minor">
+        <a:schemeClr val="lt1"/>
+      </a:fontRef>
+    </dgm:style>
+  </dgm:styleLbl>
+  <dgm:styleLbl name="node1">
+    <dgm:scene3d>
+      <a:camera prst="orthographicFront"/>
+      <a:lightRig rig="threePt" dir="t"/>
+    </dgm:scene3d>
+    <dgm:sp3d/>
+    <dgm:txPr/>
+    <dgm:style>
+      <a:lnRef idx="2">
+        <a:scrgbClr r="0" g="0" b="0"/>
+      </a:lnRef>
+      <a:fillRef idx="1">
+        <a:scrgbClr r="0" g="0" b="0"/>
+      </a:fillRef>
+      <a:effectRef idx="0">
+        <a:scrgbClr r="0" g="0" b="0"/>
+      </a:effectRef>
+      <a:fontRef idx="minor">
+        <a:schemeClr val="lt1"/>
+      </a:fontRef>
+    </dgm:style>
+  </dgm:styleLbl>
+  <dgm:styleLbl name="node2">
+    <dgm:scene3d>
+      <a:camera prst="orthographicFront"/>
+      <a:lightRig rig="threePt" dir="t"/>
+    </dgm:scene3d>
+    <dgm:sp3d/>
+    <dgm:txPr/>
+    <dgm:style>
+      <a:lnRef idx="2">
+        <a:scrgbClr r="0" g="0" b="0"/>
+      </a:lnRef>
+      <a:fillRef idx="1">
+        <a:scrgbClr r="0" g="0" b="0"/>
+      </a:fillRef>
+      <a:effectRef idx="0">
+        <a:scrgbClr r="0" g="0" b="0"/>
+      </a:effectRef>
+      <a:fontRef idx="minor">
+        <a:schemeClr val="lt1"/>
+      </a:fontRef>
+    </dgm:style>
+  </dgm:styleLbl>
+  <dgm:styleLbl name="node3">
+    <dgm:scene3d>
+      <a:camera prst="orthographicFront"/>
+      <a:lightRig rig="threePt" dir="t"/>
+    </dgm:scene3d>
+    <dgm:sp3d/>
+    <dgm:txPr/>
+    <dgm:style>
+      <a:lnRef idx="2">
+        <a:scrgbClr r="0" g="0" b="0"/>
+      </a:lnRef>
+      <a:fillRef idx="1">
+        <a:scrgbClr r="0" g="0" b="0"/>
+      </a:fillRef>
+      <a:effectRef idx="0">
+        <a:scrgbClr r="0" g="0" b="0"/>
+      </a:effectRef>
+      <a:fontRef idx="minor">
+        <a:schemeClr val="lt1"/>
+      </a:fontRef>
+    </dgm:style>
+  </dgm:styleLbl>
+  <dgm:styleLbl name="node4">
+    <dgm:scene3d>
+      <a:camera prst="orthographicFront"/>
+      <a:lightRig rig="threePt" dir="t"/>
+    </dgm:scene3d>
+    <dgm:sp3d/>
+    <dgm:txPr/>
+    <dgm:style>
+      <a:lnRef idx="2">
+        <a:scrgbClr r="0" g="0" b="0"/>
+      </a:lnRef>
+      <a:fillRef idx="1">
+        <a:scrgbClr r="0" g="0" b="0"/>
+      </a:fillRef>
+      <a:effectRef idx="0">
+        <a:scrgbClr r="0" g="0" b="0"/>
+      </a:effectRef>
+      <a:fontRef idx="minor">
+        <a:schemeClr val="lt1"/>
+      </a:fontRef>
+    </dgm:style>
+  </dgm:styleLbl>
+  <dgm:styleLbl name="fgImgPlace1">
+    <dgm:scene3d>
+      <a:camera prst="orthographicFront"/>
+      <a:lightRig rig="threePt" dir="t"/>
+    </dgm:scene3d>
+    <dgm:sp3d/>
+    <dgm:txPr/>
+    <dgm:style>
+      <a:lnRef idx="2">
+        <a:scrgbClr r="0" g="0" b="0"/>
+      </a:lnRef>
+      <a:fillRef idx="1">
+        <a:scrgbClr r="0" g="0" b="0"/>
+      </a:fillRef>
+      <a:effectRef idx="0">
+        <a:scrgbClr r="0" g="0" b="0"/>
+      </a:effectRef>
+      <a:fontRef idx="minor"/>
+    </dgm:style>
+  </dgm:styleLbl>
+  <dgm:styleLbl name="alignImgPlace1">
+    <dgm:scene3d>
+      <a:camera prst="orthographicFront"/>
+      <a:lightRig rig="threePt" dir="t"/>
+    </dgm:scene3d>
+    <dgm:sp3d/>
+    <dgm:txPr/>
+    <dgm:style>
+      <a:lnRef idx="2">
+        <a:scrgbClr r="0" g="0" b="0"/>
+      </a:lnRef>
+      <a:fillRef idx="1">
+        <a:scrgbClr r="0" g="0" b="0"/>
+      </a:fillRef>
+      <a:effectRef idx="0">
+        <a:scrgbClr r="0" g="0" b="0"/>
+      </a:effectRef>
+      <a:fontRef idx="minor"/>
+    </dgm:style>
+  </dgm:styleLbl>
+  <dgm:styleLbl name="bgImgPlace1">
+    <dgm:scene3d>
+      <a:camera prst="orthographicFront"/>
+      <a:lightRig rig="threePt" dir="t"/>
+    </dgm:scene3d>
+    <dgm:sp3d/>
+    <dgm:txPr/>
+    <dgm:style>
+      <a:lnRef idx="2">
+        <a:scrgbClr r="0" g="0" b="0"/>
+      </a:lnRef>
+      <a:fillRef idx="1">
+        <a:scrgbClr r="0" g="0" b="0"/>
+      </a:fillRef>
+      <a:effectRef idx="0">
+        <a:scrgbClr r="0" g="0" b="0"/>
+      </a:effectRef>
+      <a:fontRef idx="minor"/>
+    </dgm:style>
+  </dgm:styleLbl>
+  <dgm:styleLbl name="sibTrans2D1">
+    <dgm:scene3d>
+      <a:camera prst="orthographicFront"/>
+      <a:lightRig rig="threePt" dir="t"/>
+    </dgm:scene3d>
+    <dgm:sp3d/>
+    <dgm:txPr/>
+    <dgm:style>
+      <a:lnRef idx="0">
+        <a:scrgbClr r="0" g="0" b="0"/>
+      </a:lnRef>
+      <a:fillRef idx="1">
+        <a:scrgbClr r="0" g="0" b="0"/>
+      </a:fillRef>
+      <a:effectRef idx="0">
+        <a:scrgbClr r="0" g="0" b="0"/>
+      </a:effectRef>
+      <a:fontRef idx="minor">
+        <a:schemeClr val="lt1"/>
+      </a:fontRef>
+    </dgm:style>
+  </dgm:styleLbl>
+  <dgm:styleLbl name="fgSibTrans2D1">
+    <dgm:scene3d>
+      <a:camera prst="orthographicFront"/>
+      <a:lightRig rig="threePt" dir="t"/>
+    </dgm:scene3d>
+    <dgm:sp3d/>
+    <dgm:txPr/>
+    <dgm:style>
+      <a:lnRef idx="0">
+        <a:scrgbClr r="0" g="0" b="0"/>
+      </a:lnRef>
+      <a:fillRef idx="1">
+        <a:scrgbClr r="0" g="0" b="0"/>
+      </a:fillRef>
+      <a:effectRef idx="0">
+        <a:scrgbClr r="0" g="0" b="0"/>
+      </a:effectRef>
+      <a:fontRef idx="minor">
+        <a:schemeClr val="lt1"/>
+      </a:fontRef>
+    </dgm:style>
+  </dgm:styleLbl>
+  <dgm:styleLbl name="bgSibTrans2D1">
+    <dgm:scene3d>
+      <a:camera prst="orthographicFront"/>
+      <a:lightRig rig="threePt" dir="t"/>
+    </dgm:scene3d>
+    <dgm:sp3d/>
+    <dgm:txPr/>
+    <dgm:style>
+      <a:lnRef idx="0">
+        <a:scrgbClr r="0" g="0" b="0"/>
+      </a:lnRef>
+      <a:fillRef idx="1">
+        <a:scrgbClr r="0" g="0" b="0"/>
+      </a:fillRef>
+      <a:effectRef idx="0">
+        <a:scrgbClr r="0" g="0" b="0"/>
+      </a:effectRef>
+      <a:fontRef idx="minor">
+        <a:schemeClr val="lt1"/>
+      </a:fontRef>
+    </dgm:style>
+  </dgm:styleLbl>
+  <dgm:styleLbl name="sibTrans1D1">
+    <dgm:scene3d>
+      <a:camera prst="orthographicFront"/>
+      <a:lightRig rig="threePt" dir="t"/>
+    </dgm:scene3d>
+    <dgm:sp3d/>
+    <dgm:txPr/>
+    <dgm:style>
+      <a:lnRef idx="1">
+        <a:scrgbClr r="0" g="0" b="0"/>
+      </a:lnRef>
+      <a:fillRef idx="0">
+        <a:scrgbClr r="0" g="0" b="0"/>
+      </a:fillRef>
+      <a:effectRef idx="0">
+        <a:scrgbClr r="0" g="0" b="0"/>
+      </a:effectRef>
+      <a:fontRef idx="minor"/>
+    </dgm:style>
+  </dgm:styleLbl>
+  <dgm:styleLbl name="callout">
+    <dgm:scene3d>
+      <a:camera prst="orthographicFront"/>
+      <a:lightRig rig="threePt" dir="t"/>
+    </dgm:scene3d>
+    <dgm:sp3d/>
+    <dgm:txPr/>
+    <dgm:style>
+      <a:lnRef idx="2">
+        <a:scrgbClr r="0" g="0" b="0"/>
+      </a:lnRef>
+      <a:fillRef idx="1">
+        <a:scrgbClr r="0" g="0" b="0"/>
+      </a:fillRef>
+      <a:effectRef idx="0">
+        <a:scrgbClr r="0" g="0" b="0"/>
+      </a:effectRef>
+      <a:fontRef idx="minor"/>
+    </dgm:style>
+  </dgm:styleLbl>
+  <dgm:styleLbl name="asst0">
+    <dgm:scene3d>
+      <a:camera prst="orthographicFront"/>
+      <a:lightRig rig="threePt" dir="t"/>
+    </dgm:scene3d>
+    <dgm:sp3d/>
+    <dgm:txPr/>
+    <dgm:style>
+      <a:lnRef idx="2">
+        <a:scrgbClr r="0" g="0" b="0"/>
+      </a:lnRef>
+      <a:fillRef idx="1">
+        <a:scrgbClr r="0" g="0" b="0"/>
+      </a:fillRef>
+      <a:effectRef idx="0">
+        <a:scrgbClr r="0" g="0" b="0"/>
+      </a:effectRef>
+      <a:fontRef idx="minor">
+        <a:schemeClr val="lt1"/>
+      </a:fontRef>
+    </dgm:style>
+  </dgm:styleLbl>
+  <dgm:styleLbl name="asst1">
+    <dgm:scene3d>
+      <a:camera prst="orthographicFront"/>
+      <a:lightRig rig="threePt" dir="t"/>
+    </dgm:scene3d>
+    <dgm:sp3d/>
+    <dgm:txPr/>
+    <dgm:style>
+      <a:lnRef idx="2">
+        <a:scrgbClr r="0" g="0" b="0"/>
+      </a:lnRef>
+      <a:fillRef idx="1">
+        <a:scrgbClr r="0" g="0" b="0"/>
+      </a:fillRef>
+      <a:effectRef idx="0">
+        <a:scrgbClr r="0" g="0" b="0"/>
+      </a:effectRef>
+      <a:fontRef idx="minor">
+        <a:schemeClr val="lt1"/>
+      </a:fontRef>
+    </dgm:style>
+  </dgm:styleLbl>
+  <dgm:styleLbl name="asst2">
+    <dgm:scene3d>
+      <a:camera prst="orthographicFront"/>
+      <a:lightRig rig="threePt" dir="t"/>
+    </dgm:scene3d>
+    <dgm:sp3d/>
+    <dgm:txPr/>
+    <dgm:style>
+      <a:lnRef idx="2">
+        <a:scrgbClr r="0" g="0" b="0"/>
+      </a:lnRef>
+      <a:fillRef idx="1">
+        <a:scrgbClr r="0" g="0" b="0"/>
+      </a:fillRef>
+      <a:effectRef idx="0">
+        <a:scrgbClr r="0" g="0" b="0"/>
+      </a:effectRef>
+      <a:fontRef idx="minor">
+        <a:schemeClr val="lt1"/>
+      </a:fontRef>
+    </dgm:style>
+  </dgm:styleLbl>
+  <dgm:styleLbl name="asst3">
+    <dgm:scene3d>
+      <a:camera prst="orthographicFront"/>
+      <a:lightRig rig="threePt" dir="t"/>
+    </dgm:scene3d>
+    <dgm:sp3d/>
+    <dgm:txPr/>
+    <dgm:style>
+      <a:lnRef idx="2">
+        <a:scrgbClr r="0" g="0" b="0"/>
+      </a:lnRef>
+      <a:fillRef idx="1">
+        <a:scrgbClr r="0" g="0" b="0"/>
+      </a:fillRef>
+      <a:effectRef idx="0">
+        <a:scrgbClr r="0" g="0" b="0"/>
+      </a:effectRef>
+      <a:fontRef idx="minor">
+        <a:schemeClr val="lt1"/>
+      </a:fontRef>
+    </dgm:style>
+  </dgm:styleLbl>
+  <dgm:styleLbl name="asst4">
+    <dgm:scene3d>
+      <a:camera prst="orthographicFront"/>
+      <a:lightRig rig="threePt" dir="t"/>
+    </dgm:scene3d>
+    <dgm:sp3d/>
+    <dgm:txPr/>
+    <dgm:style>
+      <a:lnRef idx="2">
+        <a:scrgbClr r="0" g="0" b="0"/>
+      </a:lnRef>
+      <a:fillRef idx="1">
+        <a:scrgbClr r="0" g="0" b="0"/>
+      </a:fillRef>
+      <a:effectRef idx="0">
+        <a:scrgbClr r="0" g="0" b="0"/>
+      </a:effectRef>
+      <a:fontRef idx="minor">
+        <a:schemeClr val="lt1"/>
+      </a:fontRef>
+    </dgm:style>
+  </dgm:styleLbl>
+  <dgm:styleLbl name="parChTrans2D1">
+    <dgm:scene3d>
+      <a:camera prst="orthographicFront"/>
+      <a:lightRig rig="threePt" dir="t"/>
+    </dgm:scene3d>
+    <dgm:sp3d/>
+    <dgm:txPr/>
+    <dgm:style>
+      <a:lnRef idx="2">
+        <a:scrgbClr r="0" g="0" b="0"/>
+      </a:lnRef>
+      <a:fillRef idx="1">
+        <a:scrgbClr r="0" g="0" b="0"/>
+      </a:fillRef>
+      <a:effectRef idx="0">
+        <a:scrgbClr r="0" g="0" b="0"/>
+      </a:effectRef>
+      <a:fontRef idx="minor">
+        <a:schemeClr val="lt1"/>
+      </a:fontRef>
+    </dgm:style>
+  </dgm:styleLbl>
+  <dgm:styleLbl name="parChTrans2D2">
+    <dgm:scene3d>
+      <a:camera prst="orthographicFront"/>
+      <a:lightRig rig="threePt" dir="t"/>
+    </dgm:scene3d>
+    <dgm:sp3d/>
+    <dgm:txPr/>
+    <dgm:style>
+      <a:lnRef idx="2">
+        <a:scrgbClr r="0" g="0" b="0"/>
+      </a:lnRef>
+      <a:fillRef idx="1">
+        <a:scrgbClr r="0" g="0" b="0"/>
+      </a:fillRef>
+      <a:effectRef idx="0">
+        <a:scrgbClr r="0" g="0" b="0"/>
+      </a:effectRef>
+      <a:fontRef idx="minor">
+        <a:schemeClr val="lt1"/>
+      </a:fontRef>
+    </dgm:style>
+  </dgm:styleLbl>
+  <dgm:styleLbl name="parChTrans2D3">
+    <dgm:scene3d>
+      <a:camera prst="orthographicFront"/>
+      <a:lightRig rig="threePt" dir="t"/>
+    </dgm:scene3d>
+    <dgm:sp3d/>
+    <dgm:txPr/>
+    <dgm:style>
+      <a:lnRef idx="2">
+        <a:scrgbClr r="0" g="0" b="0"/>
+      </a:lnRef>
+      <a:fillRef idx="1">
+        <a:scrgbClr r="0" g="0" b="0"/>
+      </a:fillRef>
+      <a:effectRef idx="0">
+        <a:scrgbClr r="0" g="0" b="0"/>
+      </a:effectRef>
+      <a:fontRef idx="minor">
+        <a:schemeClr val="lt1"/>
+      </a:fontRef>
+    </dgm:style>
+  </dgm:styleLbl>
+  <dgm:styleLbl name="parChTrans2D4">
+    <dgm:scene3d>
+      <a:camera prst="orthographicFront"/>
+      <a:lightRig rig="threePt" dir="t"/>
+    </dgm:scene3d>
+    <dgm:sp3d/>
+    <dgm:txPr/>
+    <dgm:style>
+      <a:lnRef idx="2">
+        <a:scrgbClr r="0" g="0" b="0"/>
+      </a:lnRef>
+      <a:fillRef idx="1">
+        <a:scrgbClr r="0" g="0" b="0"/>
+      </a:fillRef>
+      <a:effectRef idx="0">
+        <a:scrgbClr r="0" g="0" b="0"/>
+      </a:effectRef>
+      <a:fontRef idx="minor">
+        <a:schemeClr val="lt1"/>
+      </a:fontRef>
+    </dgm:style>
+  </dgm:styleLbl>
+  <dgm:styleLbl name="parChTrans1D1">
+    <dgm:scene3d>
+      <a:camera prst="orthographicFront"/>
+      <a:lightRig rig="threePt" dir="t"/>
+    </dgm:scene3d>
+    <dgm:sp3d/>
+    <dgm:txPr/>
+    <dgm:style>
+      <a:lnRef idx="2">
+        <a:scrgbClr r="0" g="0" b="0"/>
+      </a:lnRef>
+      <a:fillRef idx="0">
+        <a:scrgbClr r="0" g="0" b="0"/>
+      </a:fillRef>
+      <a:effectRef idx="0">
+        <a:scrgbClr r="0" g="0" b="0"/>
+      </a:effectRef>
+      <a:fontRef idx="minor"/>
+    </dgm:style>
+  </dgm:styleLbl>
+  <dgm:styleLbl name="parChTrans1D2">
+    <dgm:scene3d>
+      <a:camera prst="orthographicFront"/>
+      <a:lightRig rig="threePt" dir="t"/>
+    </dgm:scene3d>
+    <dgm:sp3d/>
+    <dgm:txPr/>
+    <dgm:style>
+      <a:lnRef idx="2">
+        <a:scrgbClr r="0" g="0" b="0"/>
+      </a:lnRef>
+      <a:fillRef idx="0">
+        <a:scrgbClr r="0" g="0" b="0"/>
+      </a:fillRef>
+      <a:effectRef idx="0">
+        <a:scrgbClr r="0" g="0" b="0"/>
+      </a:effectRef>
+      <a:fontRef idx="minor"/>
+    </dgm:style>
+  </dgm:styleLbl>
+  <dgm:styleLbl name="parChTrans1D3">
+    <dgm:scene3d>
+      <a:camera prst="orthographicFront"/>
+      <a:lightRig rig="threePt" dir="t"/>
+    </dgm:scene3d>
+    <dgm:sp3d/>
+    <dgm:txPr/>
+    <dgm:style>
+      <a:lnRef idx="2">
+        <a:scrgbClr r="0" g="0" b="0"/>
+      </a:lnRef>
+      <a:fillRef idx="0">
+        <a:scrgbClr r="0" g="0" b="0"/>
+      </a:fillRef>
+      <a:effectRef idx="0">
+        <a:scrgbClr r="0" g="0" b="0"/>
+      </a:effectRef>
+      <a:fontRef idx="minor"/>
+    </dgm:style>
+  </dgm:styleLbl>
+  <dgm:styleLbl name="parChTrans1D4">
+    <dgm:scene3d>
+      <a:camera prst="orthographicFront"/>
+      <a:lightRig rig="threePt" dir="t"/>
+    </dgm:scene3d>
+    <dgm:sp3d/>
+    <dgm:txPr/>
+    <dgm:style>
+      <a:lnRef idx="2">
+        <a:scrgbClr r="0" g="0" b="0"/>
+      </a:lnRef>
+      <a:fillRef idx="0">
+        <a:scrgbClr r="0" g="0" b="0"/>
+      </a:fillRef>
+      <a:effectRef idx="0">
+        <a:scrgbClr r="0" g="0" b="0"/>
+      </a:effectRef>
+      <a:fontRef idx="minor"/>
+    </dgm:style>
+  </dgm:styleLbl>
+  <dgm:styleLbl name="fgAcc1">
+    <dgm:scene3d>
+      <a:camera prst="orthographicFront"/>
+      <a:lightRig rig="threePt" dir="t"/>
+    </dgm:scene3d>
+    <dgm:sp3d/>
+    <dgm:txPr/>
+    <dgm:style>
+      <a:lnRef idx="2">
+        <a:scrgbClr r="0" g="0" b="0"/>
+      </a:lnRef>
+      <a:fillRef idx="1">
+        <a:scrgbClr r="0" g="0" b="0"/>
+      </a:fillRef>
+      <a:effectRef idx="0">
+        <a:scrgbClr r="0" g="0" b="0"/>
+      </a:effectRef>
+      <a:fontRef idx="minor"/>
+    </dgm:style>
+  </dgm:styleLbl>
+  <dgm:styleLbl name="conFgAcc1">
+    <dgm:scene3d>
+      <a:camera prst="orthographicFront"/>
+      <a:lightRig rig="threePt" dir="t"/>
+    </dgm:scene3d>
+    <dgm:sp3d/>
+    <dgm:txPr/>
+    <dgm:style>
+      <a:lnRef idx="2">
+        <a:scrgbClr r="0" g="0" b="0"/>
+      </a:lnRef>
+      <a:fillRef idx="1">
+        <a:scrgbClr r="0" g="0" b="0"/>
+      </a:fillRef>
+      <a:effectRef idx="0">
+        <a:scrgbClr r="0" g="0" b="0"/>
+      </a:effectRef>
+      <a:fontRef idx="minor"/>
+    </dgm:style>
+  </dgm:styleLbl>
+  <dgm:styleLbl name="alignAcc1">
+    <dgm:scene3d>
+      <a:camera prst="orthographicFront"/>
+      <a:lightRig rig="threePt" dir="t"/>
+    </dgm:scene3d>
+    <dgm:sp3d/>
+    <dgm:txPr/>
+    <dgm:style>
+      <a:lnRef idx="2">
+        <a:scrgbClr r="0" g="0" b="0"/>
+      </a:lnRef>
+      <a:fillRef idx="1">
+        <a:scrgbClr r="0" g="0" b="0"/>
+      </a:fillRef>
+      <a:effectRef idx="0">
+        <a:scrgbClr r="0" g="0" b="0"/>
+      </a:effectRef>
+      <a:fontRef idx="minor"/>
+    </dgm:style>
+  </dgm:styleLbl>
+  <dgm:styleLbl name="trAlignAcc1">
+    <dgm:scene3d>
+      <a:camera prst="orthographicFront"/>
+      <a:lightRig rig="threePt" dir="t"/>
+    </dgm:scene3d>
+    <dgm:sp3d/>
+    <dgm:txPr/>
+    <dgm:style>
+      <a:lnRef idx="1">
+        <a:scrgbClr r="0" g="0" b="0"/>
+      </a:lnRef>
+      <a:fillRef idx="1">
+        <a:scrgbClr r="0" g="0" b="0"/>
+      </a:fillRef>
+      <a:effectRef idx="0">
+        <a:scrgbClr r="0" g="0" b="0"/>
+      </a:effectRef>
+      <a:fontRef idx="minor"/>
+    </dgm:style>
+  </dgm:styleLbl>
+  <dgm:styleLbl name="bgAcc1">
+    <dgm:scene3d>
+      <a:camera prst="orthographicFront"/>
+      <a:lightRig rig="threePt" dir="t"/>
+    </dgm:scene3d>
+    <dgm:sp3d/>
+    <dgm:txPr/>
+    <dgm:style>
+      <a:lnRef idx="2">
+        <a:scrgbClr r="0" g="0" b="0"/>
+      </a:lnRef>
+      <a:fillRef idx="1">
+        <a:scrgbClr r="0" g="0" b="0"/>
+      </a:fillRef>
+      <a:effectRef idx="0">
+        <a:scrgbClr r="0" g="0" b="0"/>
+      </a:effectRef>
+      <a:fontRef idx="minor"/>
+    </dgm:style>
+  </dgm:styleLbl>
+  <dgm:styleLbl name="solidFgAcc1">
+    <dgm:scene3d>
+      <a:camera prst="orthographicFront"/>
+      <a:lightRig rig="threePt" dir="t"/>
+    </dgm:scene3d>
+    <dgm:sp3d/>
+    <dgm:txPr/>
+    <dgm:style>
+      <a:lnRef idx="2">
+        <a:scrgbClr r="0" g="0" b="0"/>
+      </a:lnRef>
+      <a:fillRef idx="1">
+        <a:scrgbClr r="0" g="0" b="0"/>
+      </a:fillRef>
+      <a:effectRef idx="0">
+        <a:scrgbClr r="0" g="0" b="0"/>
+      </a:effectRef>
+      <a:fontRef idx="minor"/>
+    </dgm:style>
+  </dgm:styleLbl>
+  <dgm:styleLbl name="solidAlignAcc1">
+    <dgm:scene3d>
+      <a:camera prst="orthographicFront"/>
+      <a:lightRig rig="threePt" dir="t"/>
+    </dgm:scene3d>
+    <dgm:sp3d/>
+    <dgm:txPr/>
+    <dgm:style>
+      <a:lnRef idx="2">
+        <a:scrgbClr r="0" g="0" b="0"/>
+      </a:lnRef>
+      <a:fillRef idx="1">
+        <a:scrgbClr r="0" g="0" b="0"/>
+      </a:fillRef>
+      <a:effectRef idx="0">
+        <a:scrgbClr r="0" g="0" b="0"/>
+      </a:effectRef>
+      <a:fontRef idx="minor"/>
+    </dgm:style>
+  </dgm:styleLbl>
+  <dgm:styleLbl name="solidBgAcc1">
+    <dgm:scene3d>
+      <a:camera prst="orthographicFront"/>
+      <a:lightRig rig="threePt" dir="t"/>
+    </dgm:scene3d>
+    <dgm:sp3d/>
+    <dgm:txPr/>
+    <dgm:style>
+      <a:lnRef idx="2">
+        <a:scrgbClr r="0" g="0" b="0"/>
+      </a:lnRef>
+      <a:fillRef idx="1">
+        <a:scrgbClr r="0" g="0" b="0"/>
+      </a:fillRef>
+      <a:effectRef idx="0">
+        <a:scrgbClr r="0" g="0" b="0"/>
+      </a:effectRef>
+      <a:fontRef idx="minor"/>
+    </dgm:style>
+  </dgm:styleLbl>
+  <dgm:styleLbl name="fgAccFollowNode1">
+    <dgm:scene3d>
+      <a:camera prst="orthographicFront"/>
+      <a:lightRig rig="threePt" dir="t"/>
+    </dgm:scene3d>
+    <dgm:sp3d/>
+    <dgm:txPr/>
+    <dgm:style>
+      <a:lnRef idx="2">
+        <a:scrgbClr r="0" g="0" b="0"/>
+      </a:lnRef>
+      <a:fillRef idx="1">
+        <a:scrgbClr r="0" g="0" b="0"/>
+      </a:fillRef>
+      <a:effectRef idx="0">
+        <a:scrgbClr r="0" g="0" b="0"/>
+      </a:effectRef>
+      <a:fontRef idx="minor"/>
+    </dgm:style>
+  </dgm:styleLbl>
+  <dgm:styleLbl name="alignAccFollowNode1">
+    <dgm:scene3d>
+      <a:camera prst="orthographicFront"/>
+      <a:lightRig rig="threePt" dir="t"/>
+    </dgm:scene3d>
+    <dgm:sp3d/>
+    <dgm:txPr/>
+    <dgm:style>
+      <a:lnRef idx="2">
+        <a:scrgbClr r="0" g="0" b="0"/>
+      </a:lnRef>
+      <a:fillRef idx="1">
+        <a:scrgbClr r="0" g="0" b="0"/>
+      </a:fillRef>
+      <a:effectRef idx="0">
+        <a:scrgbClr r="0" g="0" b="0"/>
+      </a:effectRef>
+      <a:fontRef idx="minor"/>
+    </dgm:style>
+  </dgm:styleLbl>
+  <dgm:styleLbl name="bgAccFollowNode1">
+    <dgm:scene3d>
+      <a:camera prst="orthographicFront"/>
+      <a:lightRig rig="threePt" dir="t"/>
+    </dgm:scene3d>
+    <dgm:sp3d/>
+    <dgm:txPr/>
+    <dgm:style>
+      <a:lnRef idx="2">
+        <a:scrgbClr r="0" g="0" b="0"/>
+      </a:lnRef>
+      <a:fillRef idx="1">
+        <a:scrgbClr r="0" g="0" b="0"/>
+      </a:fillRef>
+      <a:effectRef idx="0">
+        <a:scrgbClr r="0" g="0" b="0"/>
+      </a:effectRef>
+      <a:fontRef idx="minor"/>
+    </dgm:style>
+  </dgm:styleLbl>
+  <dgm:styleLbl name="fgAcc0">
+    <dgm:scene3d>
+      <a:camera prst="orthographicFront"/>
+      <a:lightRig rig="threePt" dir="t"/>
+    </dgm:scene3d>
+    <dgm:sp3d/>
+    <dgm:txPr/>
+    <dgm:style>
+      <a:lnRef idx="2">
+        <a:scrgbClr r="0" g="0" b="0"/>
+      </a:lnRef>
+      <a:fillRef idx="1">
+        <a:scrgbClr r="0" g="0" b="0"/>
+      </a:fillRef>
+      <a:effectRef idx="0">
+        <a:scrgbClr r="0" g="0" b="0"/>
+      </a:effectRef>
+      <a:fontRef idx="minor"/>
+    </dgm:style>
+  </dgm:styleLbl>
+  <dgm:styleLbl name="fgAcc2">
+    <dgm:scene3d>
+      <a:camera prst="orthographicFront"/>
+      <a:lightRig rig="threePt" dir="t"/>
+    </dgm:scene3d>
+    <dgm:sp3d/>
+    <dgm:txPr/>
+    <dgm:style>
+      <a:lnRef idx="2">
+        <a:scrgbClr r="0" g="0" b="0"/>
+      </a:lnRef>
+      <a:fillRef idx="1">
+        <a:scrgbClr r="0" g="0" b="0"/>
+      </a:fillRef>
+      <a:effectRef idx="0">
+        <a:scrgbClr r="0" g="0" b="0"/>
+      </a:effectRef>
+      <a:fontRef idx="minor"/>
+    </dgm:style>
+  </dgm:styleLbl>
+  <dgm:styleLbl name="fgAcc3">
+    <dgm:scene3d>
+      <a:camera prst="orthographicFront"/>
+      <a:lightRig rig="threePt" dir="t"/>
+    </dgm:scene3d>
+    <dgm:sp3d/>
+    <dgm:txPr/>
+    <dgm:style>
+      <a:lnRef idx="2">
+        <a:scrgbClr r="0" g="0" b="0"/>
+      </a:lnRef>
+      <a:fillRef idx="1">
+        <a:scrgbClr r="0" g="0" b="0"/>
+      </a:fillRef>
+      <a:effectRef idx="0">
+        <a:scrgbClr r="0" g="0" b="0"/>
+      </a:effectRef>
+      <a:fontRef idx="minor"/>
+    </dgm:style>
+  </dgm:styleLbl>
+  <dgm:styleLbl name="fgAcc4">
+    <dgm:scene3d>
+      <a:camera prst="orthographicFront"/>
+      <a:lightRig rig="threePt" dir="t"/>
+    </dgm:scene3d>
+    <dgm:sp3d/>
+    <dgm:txPr/>
+    <dgm:style>
+      <a:lnRef idx="2">
+        <a:scrgbClr r="0" g="0" b="0"/>
+      </a:lnRef>
+      <a:fillRef idx="1">
+        <a:scrgbClr r="0" g="0" b="0"/>
+      </a:fillRef>
+      <a:effectRef idx="0">
+        <a:scrgbClr r="0" g="0" b="0"/>
+      </a:effectRef>
+      <a:fontRef idx="minor"/>
+    </dgm:style>
+  </dgm:styleLbl>
+  <dgm:styleLbl name="bgShp">
+    <dgm:scene3d>
+      <a:camera prst="orthographicFront"/>
+      <a:lightRig rig="threePt" dir="t"/>
+    </dgm:scene3d>
+    <dgm:sp3d/>
+    <dgm:txPr/>
+    <dgm:style>
+      <a:lnRef idx="0">
+        <a:scrgbClr r="0" g="0" b="0"/>
+      </a:lnRef>
+      <a:fillRef idx="1">
+        <a:scrgbClr r="0" g="0" b="0"/>
+      </a:fillRef>
+      <a:effectRef idx="0">
+        <a:scrgbClr r="0" g="0" b="0"/>
+      </a:effectRef>
+      <a:fontRef idx="minor"/>
+    </dgm:style>
+  </dgm:styleLbl>
+  <dgm:styleLbl name="dkBgShp">
+    <dgm:scene3d>
+      <a:camera prst="orthographicFront"/>
+      <a:lightRig rig="threePt" dir="t"/>
+    </dgm:scene3d>
+    <dgm:sp3d/>
+    <dgm:txPr/>
+    <dgm:style>
+      <a:lnRef idx="0">
+        <a:scrgbClr r="0" g="0" b="0"/>
+      </a:lnRef>
+      <a:fillRef idx="1">
+        <a:scrgbClr r="0" g="0" b="0"/>
+      </a:fillRef>
+      <a:effectRef idx="0">
+        <a:scrgbClr r="0" g="0" b="0"/>
+      </a:effectRef>
+      <a:fontRef idx="minor"/>
+    </dgm:style>
+  </dgm:styleLbl>
+  <dgm:styleLbl name="trBgShp">
+    <dgm:scene3d>
+      <a:camera prst="orthographicFront"/>
+      <a:lightRig rig="threePt" dir="t"/>
+    </dgm:scene3d>
+    <dgm:sp3d/>
+    <dgm:txPr/>
+    <dgm:style>
+      <a:lnRef idx="0">
+        <a:scrgbClr r="0" g="0" b="0"/>
+      </a:lnRef>
+      <a:fillRef idx="1">
+        <a:scrgbClr r="0" g="0" b="0"/>
+      </a:fillRef>
+      <a:effectRef idx="0">
+        <a:scrgbClr r="0" g="0" b="0"/>
+      </a:effectRef>
+      <a:fontRef idx="minor"/>
+    </dgm:style>
+  </dgm:styleLbl>
+  <dgm:styleLbl name="fgShp">
+    <dgm:scene3d>
+      <a:camera prst="orthographicFront"/>
+      <a:lightRig rig="threePt" dir="t"/>
+    </dgm:scene3d>
+    <dgm:sp3d/>
+    <dgm:txPr/>
+    <dgm:style>
+      <a:lnRef idx="2">
+        <a:scrgbClr r="0" g="0" b="0"/>
+      </a:lnRef>
+      <a:fillRef idx="1">
+        <a:scrgbClr r="0" g="0" b="0"/>
+      </a:fillRef>
+      <a:effectRef idx="0">
+        <a:scrgbClr r="0" g="0" b="0"/>
+      </a:effectRef>
+      <a:fontRef idx="minor"/>
+    </dgm:style>
+  </dgm:styleLbl>
+  <dgm:styleLbl name="revTx">
+    <dgm:scene3d>
+      <a:camera prst="orthographicFront"/>
+      <a:lightRig rig="threePt" dir="t"/>
+    </dgm:scene3d>
+    <dgm:sp3d/>
+    <dgm:txPr/>
+    <dgm:style>
+      <a:lnRef idx="0">
+        <a:scrgbClr r="0" g="0" b="0"/>
+      </a:lnRef>
+      <a:fillRef idx="0">
+        <a:scrgbClr r="0" g="0" b="0"/>
+      </a:fillRef>
+      <a:effectRef idx="0">
+        <a:scrgbClr r="0" g="0" b="0"/>
+      </a:effectRef>
+      <a:fontRef idx="minor"/>
+    </dgm:style>
+  </dgm:styleLbl>
+</dgm:styleDef>
 </file>
 
 <file path=ppt/notesMasters/notesMaster1.xml><?xml version="1.0" encoding="utf-8"?>
@@ -213,7 +2912,7 @@
           <a:p>
             <a:fld id="{6AD2753D-5B5F-479C-BD04-72EC3E4FB7B5}" type="datetimeFigureOut">
               <a:rPr lang="zh-CN" altLang="en-US" smtClean="0"/>
-              <a:t>2019/7/13</a:t>
+              <a:t>2019/7/25</a:t>
             </a:fld>
             <a:endParaRPr lang="zh-CN" altLang="en-US"/>
           </a:p>
@@ -747,7 +3446,7 @@
             <a:fld id="{1D8BD707-D9CF-40AE-B4C6-C98DA3205C09}" type="datetimeFigureOut">
               <a:rPr lang="en-US" smtClean="0"/>
               <a:pPr/>
-              <a:t>7/13/2019</a:t>
+              <a:t>7/25/2019</a:t>
             </a:fld>
             <a:endParaRPr lang="en-US"/>
           </a:p>
@@ -914,7 +3613,7 @@
             <a:fld id="{1D8BD707-D9CF-40AE-B4C6-C98DA3205C09}" type="datetimeFigureOut">
               <a:rPr lang="en-US" smtClean="0"/>
               <a:pPr/>
-              <a:t>7/13/2019</a:t>
+              <a:t>7/25/2019</a:t>
             </a:fld>
             <a:endParaRPr lang="en-US"/>
           </a:p>
@@ -1091,7 +3790,7 @@
             <a:fld id="{1D8BD707-D9CF-40AE-B4C6-C98DA3205C09}" type="datetimeFigureOut">
               <a:rPr lang="en-US" smtClean="0"/>
               <a:pPr/>
-              <a:t>7/13/2019</a:t>
+              <a:t>7/25/2019</a:t>
             </a:fld>
             <a:endParaRPr lang="en-US"/>
           </a:p>
@@ -1258,7 +3957,7 @@
             <a:fld id="{1D8BD707-D9CF-40AE-B4C6-C98DA3205C09}" type="datetimeFigureOut">
               <a:rPr lang="en-US" smtClean="0"/>
               <a:pPr/>
-              <a:t>7/13/2019</a:t>
+              <a:t>7/25/2019</a:t>
             </a:fld>
             <a:endParaRPr lang="en-US"/>
           </a:p>
@@ -1501,7 +4200,7 @@
             <a:fld id="{1D8BD707-D9CF-40AE-B4C6-C98DA3205C09}" type="datetimeFigureOut">
               <a:rPr lang="en-US" smtClean="0"/>
               <a:pPr/>
-              <a:t>7/13/2019</a:t>
+              <a:t>7/25/2019</a:t>
             </a:fld>
             <a:endParaRPr lang="en-US"/>
           </a:p>
@@ -1786,7 +4485,7 @@
             <a:fld id="{1D8BD707-D9CF-40AE-B4C6-C98DA3205C09}" type="datetimeFigureOut">
               <a:rPr lang="en-US" smtClean="0"/>
               <a:pPr/>
-              <a:t>7/13/2019</a:t>
+              <a:t>7/25/2019</a:t>
             </a:fld>
             <a:endParaRPr lang="en-US"/>
           </a:p>
@@ -2205,7 +4904,7 @@
             <a:fld id="{1D8BD707-D9CF-40AE-B4C6-C98DA3205C09}" type="datetimeFigureOut">
               <a:rPr lang="en-US" smtClean="0"/>
               <a:pPr/>
-              <a:t>7/13/2019</a:t>
+              <a:t>7/25/2019</a:t>
             </a:fld>
             <a:endParaRPr lang="en-US"/>
           </a:p>
@@ -2320,7 +5019,7 @@
             <a:fld id="{1D8BD707-D9CF-40AE-B4C6-C98DA3205C09}" type="datetimeFigureOut">
               <a:rPr lang="en-US" smtClean="0"/>
               <a:pPr/>
-              <a:t>7/13/2019</a:t>
+              <a:t>7/25/2019</a:t>
             </a:fld>
             <a:endParaRPr lang="en-US"/>
           </a:p>
@@ -2412,7 +5111,7 @@
             <a:fld id="{1D8BD707-D9CF-40AE-B4C6-C98DA3205C09}" type="datetimeFigureOut">
               <a:rPr lang="en-US" smtClean="0"/>
               <a:pPr/>
-              <a:t>7/13/2019</a:t>
+              <a:t>7/25/2019</a:t>
             </a:fld>
             <a:endParaRPr lang="en-US"/>
           </a:p>
@@ -2686,7 +5385,7 @@
             <a:fld id="{1D8BD707-D9CF-40AE-B4C6-C98DA3205C09}" type="datetimeFigureOut">
               <a:rPr lang="en-US" smtClean="0"/>
               <a:pPr/>
-              <a:t>7/13/2019</a:t>
+              <a:t>7/25/2019</a:t>
             </a:fld>
             <a:endParaRPr lang="en-US"/>
           </a:p>
@@ -2936,7 +5635,7 @@
             <a:fld id="{1D8BD707-D9CF-40AE-B4C6-C98DA3205C09}" type="datetimeFigureOut">
               <a:rPr lang="en-US" smtClean="0"/>
               <a:pPr/>
-              <a:t>7/13/2019</a:t>
+              <a:t>7/25/2019</a:t>
             </a:fld>
             <a:endParaRPr lang="en-US"/>
           </a:p>
@@ -2999,7 +5698,7 @@
     <p:bg>
       <p:bgPr>
         <a:solidFill>
-          <a:srgbClr val="37377A"/>
+          <a:srgbClr val="92D050"/>
         </a:solidFill>
         <a:effectLst/>
       </p:bgPr>
@@ -3149,7 +5848,7 @@
             <a:fld id="{1D8BD707-D9CF-40AE-B4C6-C98DA3205C09}" type="datetimeFigureOut">
               <a:rPr lang="en-US" smtClean="0"/>
               <a:pPr/>
-              <a:t>7/13/2019</a:t>
+              <a:t>7/25/2019</a:t>
             </a:fld>
             <a:endParaRPr lang="en-US"/>
           </a:p>
@@ -3506,6 +6205,14 @@
 <file path=ppt/slides/slide1.xml><?xml version="1.0" encoding="utf-8"?>
 <p:sld xmlns:a="http://schemas.openxmlformats.org/drawingml/2006/main" xmlns:r="http://schemas.openxmlformats.org/officeDocument/2006/relationships" xmlns:p="http://schemas.openxmlformats.org/presentationml/2006/main">
   <p:cSld>
+    <p:bg>
+      <p:bgPr>
+        <a:solidFill>
+          <a:srgbClr val="00B050"/>
+        </a:solidFill>
+        <a:effectLst/>
+      </p:bgPr>
+    </p:bg>
     <p:spTree>
       <p:nvGrpSpPr>
         <p:cNvPr id="1" name=""/>
@@ -3522,45 +6229,13 @@
       </p:grpSpPr>
       <p:sp>
         <p:nvSpPr>
-          <p:cNvPr id="4" name="TextBox 4"/>
-          <p:cNvSpPr txBox="1"/>
-          <p:nvPr/>
-        </p:nvSpPr>
-        <p:spPr>
-          <a:xfrm>
-            <a:off x="5588000" y="4953000"/>
-            <a:ext cx="3175000" cy="1270000"/>
-          </a:xfrm>
-          <a:prstGeom prst="rect">
-            <a:avLst/>
-          </a:prstGeom>
-        </p:spPr>
-        <p:txBody>
-          <a:bodyPr rtlCol="0" anchor="t"/>
-          <a:lstStyle/>
-          <a:p>
-            <a:pPr algn="l">
-              <a:defRPr/>
-            </a:pPr>
-            <a:endParaRPr lang="en-US" sz="1100"/>
-          </a:p>
-          <a:p>
-            <a:r>
-              <a:rPr lang="en-US" sz="2000"/>
-              <a:t>广州</a:t>
-            </a:r>
-          </a:p>
-        </p:txBody>
-      </p:sp>
-      <p:sp>
-        <p:nvSpPr>
           <p:cNvPr id="5" name="TextBox 5"/>
           <p:cNvSpPr txBox="1"/>
           <p:nvPr/>
         </p:nvSpPr>
         <p:spPr>
           <a:xfrm>
-            <a:off x="4426578" y="5126335"/>
+            <a:off x="4724400" y="5637113"/>
             <a:ext cx="4114800" cy="868065"/>
           </a:xfrm>
           <a:prstGeom prst="rect">
@@ -3622,156 +6297,185 @@
             <a:spLocks noGrp="1"/>
           </p:cNvSpPr>
           <p:nvPr>
-            <p:ph idx="1"/>
+            <p:ph sz="half" idx="1"/>
           </p:nvPr>
         </p:nvSpPr>
         <p:spPr>
           <a:xfrm>
             <a:off x="457200" y="1600201"/>
-            <a:ext cx="7696200" cy="2971800"/>
+            <a:ext cx="3962400" cy="3352800"/>
           </a:xfrm>
           <a:solidFill>
-            <a:srgbClr val="92D050"/>
+            <a:schemeClr val="accent6">
+              <a:lumMod val="75000"/>
+            </a:schemeClr>
           </a:solidFill>
         </p:spPr>
         <p:txBody>
           <a:bodyPr>
-            <a:normAutofit fontScale="92500" lnSpcReduction="20000"/>
+            <a:normAutofit/>
           </a:bodyPr>
           <a:lstStyle/>
           <a:p>
-            <a:pPr indent="342900" algn="ctr">
+            <a:pPr>
               <a:lnSpc>
-                <a:spcPct val="110000"/>
+                <a:spcPts val="3120"/>
               </a:lnSpc>
-              <a:spcAft>
-                <a:spcPts val="1200"/>
-              </a:spcAft>
             </a:pPr>
             <a:r>
-              <a:rPr lang="en-US" altLang="zh-CN" dirty="0" smtClean="0">
+              <a:rPr lang="en-US" altLang="zh-CN" sz="2000" dirty="0" smtClean="0">
+                <a:latin typeface="华文行楷" pitchFamily="2" charset="-122"/>
+                <a:ea typeface="华文行楷" pitchFamily="2" charset="-122"/>
                 <a:hlinkClick r:id="rId4"/>
               </a:rPr>
-              <a:t>19</a:t>
-            </a:r>
-            <a:r>
-              <a:rPr lang="zh-CN" altLang="en-US" dirty="0" smtClean="0">
-                <a:hlinkClick r:id="rId4"/>
+              <a:t>19%%</a:t>
+            </a:r>
+            <a:r>
+              <a:rPr lang="en-US" altLang="zh-CN" sz="2000" dirty="0" err="1" smtClean="0">
+                <a:latin typeface="华文行楷" pitchFamily="2" charset="-122"/>
+                <a:ea typeface="华文行楷" pitchFamily="2" charset="-122"/>
+                <a:hlinkClick r:id="rId5"/>
+              </a:rPr>
+              <a:t>abck</a:t>
+            </a:r>
+            <a:r>
+              <a:rPr lang="zh-CN" altLang="en-US" sz="2000" dirty="0" smtClean="0">
+                <a:latin typeface="华文行楷" pitchFamily="2" charset="-122"/>
+                <a:ea typeface="华文行楷" pitchFamily="2" charset="-122"/>
+                <a:hlinkClick r:id="rId6"/>
               </a:rPr>
               <a:t>级新生开学</a:t>
             </a:r>
             <a:r>
-              <a:rPr lang="en-US" altLang="zh-CN" dirty="0" smtClean="0">
-                <a:hlinkClick r:id="rId4"/>
+              <a:rPr lang="en-US" altLang="zh-CN" sz="2000" dirty="0" smtClean="0">
+                <a:latin typeface="华文行楷" pitchFamily="2" charset="-122"/>
+                <a:ea typeface="华文行楷" pitchFamily="2" charset="-122"/>
+                <a:hlinkClick r:id="rId6"/>
               </a:rPr>
               <a:t>…</a:t>
             </a:r>
-            <a:endParaRPr lang="en-US" altLang="zh-CN" dirty="0" smtClean="0"/>
-          </a:p>
-          <a:p>
-            <a:pPr indent="342900" algn="ctr">
+            <a:r>
+              <a:rPr lang="zh-CN" altLang="en-US" sz="2000" dirty="0" smtClean="0">
+                <a:latin typeface="新宋体" pitchFamily="49" charset="-122"/>
+                <a:ea typeface="新宋体" pitchFamily="49" charset="-122"/>
+              </a:rPr>
+              <a:t>似懂非懂水电费</a:t>
+            </a:r>
+            <a:r>
+              <a:rPr lang="zh-CN" altLang="en-US" sz="2000" dirty="0">
+                <a:latin typeface="新宋体" pitchFamily="49" charset="-122"/>
+                <a:ea typeface="新宋体" pitchFamily="49" charset="-122"/>
+              </a:rPr>
+              <a:t>水电费水电费水电费</a:t>
+            </a:r>
+            <a:r>
+              <a:rPr lang="zh-CN" altLang="en-US" sz="2000" dirty="0" smtClean="0">
+                <a:latin typeface="华文仿宋" pitchFamily="2" charset="-122"/>
+                <a:ea typeface="华文仿宋" pitchFamily="2" charset="-122"/>
+              </a:rPr>
+              <a:t>的</a:t>
+            </a:r>
+            <a:r>
+              <a:rPr lang="en-US" altLang="zh-CN" sz="2000" dirty="0" smtClean="0">
+                <a:latin typeface="华文仿宋" pitchFamily="2" charset="-122"/>
+                <a:ea typeface="华文仿宋" pitchFamily="2" charset="-122"/>
+              </a:rPr>
+              <a:t>	</a:t>
+            </a:r>
+            <a:r>
+              <a:rPr lang="zh-CN" altLang="en-US" sz="2000" dirty="0" smtClean="0">
+                <a:latin typeface="华文仿宋" pitchFamily="2" charset="-122"/>
+                <a:ea typeface="华文仿宋" pitchFamily="2" charset="-122"/>
+              </a:rPr>
+              <a:t>说法都是反倒是反倒是佛挡杀佛都是反倒是发发呆发送电风扇。</a:t>
+            </a:r>
+            <a:endParaRPr lang="en-US" altLang="zh-CN" sz="2000" dirty="0" smtClean="0">
+              <a:latin typeface="华文仿宋" pitchFamily="2" charset="-122"/>
+              <a:ea typeface="华文仿宋" pitchFamily="2" charset="-122"/>
+            </a:endParaRPr>
+          </a:p>
+          <a:p>
+            <a:pPr algn="ctr">
               <a:lnSpc>
-                <a:spcPct val="110000"/>
+                <a:spcPts val="3120"/>
               </a:lnSpc>
-              <a:spcAft>
-                <a:spcPts val="1200"/>
-              </a:spcAft>
             </a:pPr>
             <a:r>
-              <a:rPr lang="zh-CN" altLang="zh-CN" dirty="0"/>
-              <a:t>近几年来，随着互联网络的飞速发展，我国电子商务发展的环境和条件日趋改善，网络购物正在成为一种新型的购物方式。但是，网络购物的</a:t>
-            </a:r>
-            <a:r>
-              <a:rPr lang="zh-CN" altLang="zh-CN" u="sng" dirty="0"/>
-              <a:t>安全问题</a:t>
-            </a:r>
-            <a:r>
-              <a:rPr lang="zh-CN" altLang="zh-CN" dirty="0"/>
-              <a:t>一直是很多人担心的焦点问题</a:t>
-            </a:r>
-            <a:r>
-              <a:rPr lang="zh-CN" altLang="zh-CN" dirty="0" smtClean="0"/>
-              <a:t>。</a:t>
-            </a:r>
-            <a:endParaRPr lang="zh-CN" altLang="en-US" dirty="0"/>
+              <a:rPr lang="zh-CN" altLang="en-US" sz="1050" dirty="0" smtClean="0">
+                <a:latin typeface="Arial Unicode MS" pitchFamily="34" charset="-122"/>
+                <a:ea typeface="Arial Unicode MS" pitchFamily="34" charset="-122"/>
+                <a:cs typeface="Arial Unicode MS" pitchFamily="34" charset="-122"/>
+              </a:rPr>
+              <a:t>所有学生返校日期</a:t>
+            </a:r>
+            <a:r>
+              <a:rPr lang="en-US" altLang="zh-CN" sz="1050" dirty="0" smtClean="0">
+                <a:latin typeface="Arial Unicode MS" pitchFamily="34" charset="-122"/>
+                <a:ea typeface="Arial Unicode MS" pitchFamily="34" charset="-122"/>
+                <a:cs typeface="Arial Unicode MS" pitchFamily="34" charset="-122"/>
+              </a:rPr>
+              <a:t>…</a:t>
+            </a:r>
           </a:p>
         </p:txBody>
       </p:sp>
       <p:sp>
         <p:nvSpPr>
-          <p:cNvPr id="2" name="圆角矩形 1">
-            <a:hlinkClick r:id="rId5"/>
-          </p:cNvPr>
-          <p:cNvSpPr/>
-          <p:nvPr/>
+          <p:cNvPr id="9" name="内容占位符 8"/>
+          <p:cNvSpPr>
+            <a:spLocks noGrp="1"/>
+          </p:cNvSpPr>
+          <p:nvPr>
+            <p:ph sz="half" idx="2"/>
+          </p:nvPr>
         </p:nvSpPr>
         <p:spPr>
           <a:xfrm>
-            <a:off x="152400" y="5126335"/>
-            <a:ext cx="4343400" cy="1021556"/>
+            <a:off x="4648200" y="1600201"/>
+            <a:ext cx="3886200" cy="3352799"/>
           </a:xfrm>
-          <a:prstGeom prst="roundRect">
-            <a:avLst/>
-          </a:prstGeom>
           <a:solidFill>
-            <a:srgbClr val="0070C0"/>
+            <a:srgbClr val="00B0F0"/>
           </a:solidFill>
-          <a:scene3d>
-            <a:camera prst="orthographicFront"/>
-            <a:lightRig rig="threePt" dir="t"/>
-          </a:scene3d>
-          <a:sp3d>
-            <a:bevelT w="101600" prst="riblet"/>
-          </a:sp3d>
         </p:spPr>
         <p:txBody>
-          <a:bodyPr wrap="square" lIns="91440" tIns="45720" rIns="91440" bIns="45720">
-            <a:spAutoFit/>
+          <a:bodyPr>
+            <a:normAutofit/>
           </a:bodyPr>
           <a:lstStyle/>
           <a:p>
-            <a:pPr algn="ctr"/>
-            <a:r>
-              <a:rPr lang="en-US" altLang="zh-CN" sz="5400" b="1" cap="none" spc="0" dirty="0" err="1" smtClean="0">
-                <a:ln w="18000">
-                  <a:solidFill>
-                    <a:schemeClr val="accent2">
-                      <a:satMod val="140000"/>
-                    </a:schemeClr>
-                  </a:solidFill>
-                  <a:prstDash val="solid"/>
-                  <a:miter lim="800000"/>
-                </a:ln>
-                <a:noFill/>
-                <a:effectLst>
-                  <a:outerShdw blurRad="25500" dist="23000" dir="7020000" algn="tl">
-                    <a:srgbClr val="000000">
-                      <a:alpha val="50000"/>
-                    </a:srgbClr>
-                  </a:outerShdw>
-                </a:effectLst>
+            <a:pPr indent="720000" algn="r">
+              <a:lnSpc>
+                <a:spcPct val="150000"/>
+              </a:lnSpc>
+              <a:spcAft>
+                <a:spcPts val="600"/>
+              </a:spcAft>
+            </a:pPr>
+            <a:r>
+              <a:rPr lang="zh-CN" altLang="zh-CN" sz="1200" dirty="0">
+                <a:latin typeface="新宋体" pitchFamily="49" charset="-122"/>
+                <a:ea typeface="新宋体" pitchFamily="49" charset="-122"/>
+                <a:cs typeface="Hack" pitchFamily="49" charset="0"/>
               </a:rPr>
-              <a:t>livejq</a:t>
-            </a:r>
-            <a:endParaRPr lang="zh-CN" altLang="en-US" sz="5400" b="1" cap="none" spc="0" dirty="0">
-              <a:ln w="18000">
-                <a:solidFill>
-                  <a:schemeClr val="accent2">
-                    <a:satMod val="140000"/>
-                  </a:schemeClr>
-                </a:solidFill>
-                <a:prstDash val="solid"/>
-                <a:miter lim="800000"/>
-              </a:ln>
-              <a:noFill/>
-              <a:effectLst>
-                <a:outerShdw blurRad="25500" dist="23000" dir="7020000" algn="tl">
-                  <a:srgbClr val="000000">
-                    <a:alpha val="50000"/>
-                  </a:srgbClr>
-                </a:outerShdw>
-              </a:effectLst>
+              <a:t>近几年来，随着互联网络的飞速发展，</a:t>
+            </a:r>
+            <a:r>
+              <a:rPr lang="zh-CN" altLang="zh-CN" sz="1200" dirty="0">
+                <a:latin typeface="华文楷体" pitchFamily="2" charset="-122"/>
+                <a:ea typeface="华文楷体" pitchFamily="2" charset="-122"/>
+                <a:cs typeface="Hack" pitchFamily="49" charset="0"/>
+              </a:rPr>
+              <a:t>我国电子商务发展的环境和条件日趋改善，网络购物正在成为一种新型的购物方式。但是，网络购物的安全问题一直是很多人担心的焦点问题。</a:t>
+            </a:r>
+            <a:endParaRPr lang="zh-CN" altLang="en-US" sz="1200" dirty="0">
+              <a:latin typeface="华文楷体" pitchFamily="2" charset="-122"/>
+              <a:ea typeface="华文楷体" pitchFamily="2" charset="-122"/>
+              <a:cs typeface="Hack" pitchFamily="49" charset="0"/>
             </a:endParaRPr>
+          </a:p>
+          <a:p>
+            <a:endParaRPr lang="zh-CN" altLang="en-US" dirty="0"/>
           </a:p>
         </p:txBody>
       </p:sp>
@@ -3821,30 +6525,24 @@
       </p:grpSpPr>
       <p:graphicFrame>
         <p:nvGraphicFramePr>
-          <p:cNvPr id="5" name="Table 3"/>
+          <p:cNvPr id="2" name="表格 1"/>
           <p:cNvGraphicFramePr>
             <a:graphicFrameLocks noGrp="1"/>
           </p:cNvGraphicFramePr>
-          <p:nvPr>
-            <p:extLst>
-              <p:ext uri="{D42A27DB-BD31-4B8C-83A1-F6EECF244321}">
-                <p14:modId xmlns:p14="http://schemas.microsoft.com/office/powerpoint/2010/main" val="3001765949"/>
-              </p:ext>
-            </p:extLst>
-          </p:nvPr>
+          <p:nvPr/>
         </p:nvGraphicFramePr>
         <p:xfrm>
-          <a:off x="1828800" y="1447800"/>
-          <a:ext cx="6019800" cy="3810000"/>
+          <a:off x="457200" y="1600200"/>
+          <a:ext cx="3810000" cy="3810000"/>
         </p:xfrm>
         <a:graphic>
           <a:graphicData uri="http://schemas.openxmlformats.org/drawingml/2006/table">
             <a:tbl>
               <a:tblPr/>
               <a:tblGrid>
-                <a:gridCol w="2209800"/>
-                <a:gridCol w="1905000"/>
-                <a:gridCol w="1905000"/>
+                <a:gridCol w="1270000"/>
+                <a:gridCol w="1270000"/>
+                <a:gridCol w="1270000"/>
               </a:tblGrid>
               <a:tr h="635000">
                 <a:tc>
@@ -3876,9 +6574,9 @@
                     <a:lnT>
                       <a:noFill/>
                     </a:lnT>
-                    <a:lnB w="25400" cap="flat" cmpd="sng" algn="ctr">
+                    <a:lnB w="101600" cap="flat" cmpd="sng" algn="ctr">
                       <a:solidFill>
-                        <a:srgbClr val="FFFFFF"/>
+                        <a:srgbClr val="FF00FF"/>
                       </a:solidFill>
                       <a:prstDash val="solid"/>
                       <a:round/>
@@ -3919,9 +6617,9 @@
                     <a:lnT>
                       <a:noFill/>
                     </a:lnT>
-                    <a:lnB w="25400" cap="flat" cmpd="sng" algn="ctr">
+                    <a:lnB w="101600" cap="flat" cmpd="sng" algn="ctr">
                       <a:solidFill>
-                        <a:srgbClr val="FFFFFF"/>
+                        <a:srgbClr val="FF00FF"/>
                       </a:solidFill>
                       <a:prstDash val="solid"/>
                       <a:round/>
@@ -3941,7 +6639,15 @@
                       <a:pPr algn="ctr">
                         <a:defRPr/>
                       </a:pPr>
-                      <a:endParaRPr lang="en-US" sz="1100" dirty="0"/>
+                      <a:r>
+                        <a:rPr lang="en-US" b="1">
+                          <a:solidFill>
+                            <a:srgbClr val="FFFFFF"/>
+                          </a:solidFill>
+                        </a:rPr>
+                        <a:t>Header 3</a:t>
+                      </a:r>
+                      <a:endParaRPr lang="en-US" sz="1100"/>
                     </a:p>
                   </a:txBody>
                   <a:tcPr>
@@ -3954,9 +6660,9 @@
                     <a:lnT>
                       <a:noFill/>
                     </a:lnT>
-                    <a:lnB w="25400" cap="flat" cmpd="sng" algn="ctr">
+                    <a:lnB w="101600" cap="flat" cmpd="sng" algn="ctr">
                       <a:solidFill>
-                        <a:srgbClr val="FFFFFF"/>
+                        <a:srgbClr val="FF00FF"/>
                       </a:solidFill>
                       <a:prstDash val="solid"/>
                       <a:round/>
@@ -3992,9 +6698,9 @@
                     <a:lnR>
                       <a:noFill/>
                     </a:lnR>
-                    <a:lnT w="25400" cap="flat" cmpd="sng" algn="ctr">
+                    <a:lnT w="101600" cap="flat" cmpd="sng" algn="ctr">
                       <a:solidFill>
-                        <a:srgbClr val="FFFFFF"/>
+                        <a:srgbClr val="FF00FF"/>
                       </a:solidFill>
                       <a:prstDash val="solid"/>
                       <a:round/>
@@ -4031,9 +6737,9 @@
                     <a:lnR>
                       <a:noFill/>
                     </a:lnR>
-                    <a:lnT w="25400" cap="flat" cmpd="sng" algn="ctr">
+                    <a:lnT w="101600" cap="flat" cmpd="sng" algn="ctr">
                       <a:solidFill>
-                        <a:srgbClr val="FFFFFF"/>
+                        <a:srgbClr val="FF00FF"/>
                       </a:solidFill>
                       <a:prstDash val="solid"/>
                       <a:round/>
@@ -4070,9 +6776,9 @@
                     <a:lnR>
                       <a:noFill/>
                     </a:lnR>
-                    <a:lnT w="25400" cap="flat" cmpd="sng" algn="ctr">
+                    <a:lnT w="101600" cap="flat" cmpd="sng" algn="ctr">
                       <a:solidFill>
-                        <a:srgbClr val="FFFFFF"/>
+                        <a:srgbClr val="FF00FF"/>
                       </a:solidFill>
                       <a:prstDash val="solid"/>
                       <a:round/>
@@ -4131,10 +6837,10 @@
                         <a:defRPr/>
                       </a:pPr>
                       <a:r>
-                        <a:rPr lang="en-US"/>
+                        <a:rPr lang="en-US" dirty="0"/>
                         <a:t>Cell 2</a:t>
                       </a:r>
-                      <a:endParaRPr lang="en-US" sz="1100"/>
+                      <a:endParaRPr lang="en-US" sz="1100" dirty="0"/>
                     </a:p>
                   </a:txBody>
                   <a:tcPr>
@@ -4533,6 +7239,58 @@
           <a:chExt cx="0" cy="0"/>
         </a:xfrm>
       </p:grpSpPr>
+      <p:graphicFrame>
+        <p:nvGraphicFramePr>
+          <p:cNvPr id="2" name="图示 1"/>
+          <p:cNvGraphicFramePr/>
+          <p:nvPr>
+            <p:extLst>
+              <p:ext uri="{D42A27DB-BD31-4B8C-83A1-F6EECF244321}">
+                <p14:modId xmlns:p14="http://schemas.microsoft.com/office/powerpoint/2010/main" val="22231548"/>
+              </p:ext>
+            </p:extLst>
+          </p:nvPr>
+        </p:nvGraphicFramePr>
+        <p:xfrm>
+          <a:off x="1524000" y="1397000"/>
+          <a:ext cx="6096000" cy="4064000"/>
+        </p:xfrm>
+        <a:graphic>
+          <a:graphicData uri="http://schemas.openxmlformats.org/drawingml/2006/diagram">
+            <dgm:relIds xmlns:dgm="http://schemas.openxmlformats.org/drawingml/2006/diagram" xmlns:r="http://schemas.openxmlformats.org/officeDocument/2006/relationships" r:dm="rId2" r:lo="rId3" r:qs="rId4" r:cs="rId5"/>
+          </a:graphicData>
+        </a:graphic>
+      </p:graphicFrame>
+    </p:spTree>
+    <p:extLst>
+      <p:ext uri="{BB962C8B-B14F-4D97-AF65-F5344CB8AC3E}">
+        <p14:creationId xmlns:p14="http://schemas.microsoft.com/office/powerpoint/2010/main" val="835850186"/>
+      </p:ext>
+    </p:extLst>
+  </p:cSld>
+  <p:clrMapOvr>
+    <a:masterClrMapping/>
+  </p:clrMapOvr>
+</p:sld>
+</file>
+
+<file path=ppt/slides/slide4.xml><?xml version="1.0" encoding="utf-8"?>
+<p:sld xmlns:a="http://schemas.openxmlformats.org/drawingml/2006/main" xmlns:r="http://schemas.openxmlformats.org/officeDocument/2006/relationships" xmlns:p="http://schemas.openxmlformats.org/presentationml/2006/main">
+  <p:cSld>
+    <p:spTree>
+      <p:nvGrpSpPr>
+        <p:cNvPr id="1" name=""/>
+        <p:cNvGrpSpPr/>
+        <p:nvPr/>
+      </p:nvGrpSpPr>
+      <p:grpSpPr>
+        <a:xfrm>
+          <a:off x="0" y="0"/>
+          <a:ext cx="0" cy="0"/>
+          <a:chOff x="0" y="0"/>
+          <a:chExt cx="0" cy="0"/>
+        </a:xfrm>
+      </p:grpSpPr>
       <p:sp>
         <p:nvSpPr>
           <p:cNvPr id="2" name="TextBox 2"/>
@@ -4722,7 +7480,7 @@
 </p:sld>
 </file>
 
-<file path=ppt/slides/slide4.xml><?xml version="1.0" encoding="utf-8"?>
+<file path=ppt/slides/slide5.xml><?xml version="1.0" encoding="utf-8"?>
 <p:sld xmlns:a="http://schemas.openxmlformats.org/drawingml/2006/main" xmlns:r="http://schemas.openxmlformats.org/officeDocument/2006/relationships" xmlns:p="http://schemas.openxmlformats.org/presentationml/2006/main">
   <p:cSld>
     <p:spTree>
